--- a/szakdolgozat_prezentacio.pptx
+++ b/szakdolgozat_prezentacio.pptx
@@ -5,7 +5,7 @@
     <p:sldMasterId id="2147483648" r:id="rId1"/>
   </p:sldMasterIdLst>
   <p:notesMasterIdLst>
-    <p:notesMasterId r:id="rId14"/>
+    <p:notesMasterId r:id="rId19"/>
   </p:notesMasterIdLst>
   <p:sldIdLst>
     <p:sldId id="256" r:id="rId2"/>
@@ -20,6 +20,11 @@
     <p:sldId id="265" r:id="rId11"/>
     <p:sldId id="266" r:id="rId12"/>
     <p:sldId id="267" r:id="rId13"/>
+    <p:sldId id="268" r:id="rId14"/>
+    <p:sldId id="269" r:id="rId15"/>
+    <p:sldId id="270" r:id="rId16"/>
+    <p:sldId id="271" r:id="rId17"/>
+    <p:sldId id="272" r:id="rId18"/>
   </p:sldIdLst>
   <p:sldSz cx="12192000" cy="6858000"/>
   <p:notesSz cx="6858000" cy="9144000"/>
@@ -203,7 +208,8 @@
           <a:p>
             <a:fld id="{7567DBDF-EBD5-458F-B0F1-A7C1FC170932}" type="datetimeFigureOut">
               <a:rPr lang="hu-HU" smtClean="0"/>
-              <a:t>2018. 01. 09.</a:t>
+              <a:pPr/>
+              <a:t>2018. 01. 10.</a:t>
             </a:fld>
             <a:endParaRPr lang="hu-HU"/>
           </a:p>
@@ -364,6 +370,7 @@
           <a:p>
             <a:fld id="{4FD4484C-0A27-414D-B6C0-751BB263F891}" type="slidenum">
               <a:rPr lang="hu-HU" smtClean="0"/>
+              <a:pPr/>
               <a:t>‹#›</a:t>
             </a:fld>
             <a:endParaRPr lang="hu-HU"/>
@@ -516,9 +523,109 @@
           <a:p>
             <a:r>
               <a:rPr lang="hu-HU" dirty="0" smtClean="0"/>
-              <a:t>Eszközök felsorolása végighaladva a blokkdiagramon</a:t>
-            </a:r>
-            <a:endParaRPr lang="hu-HU" dirty="0"/>
+              <a:t>Kontextusba</a:t>
+            </a:r>
+            <a:r>
+              <a:rPr lang="hu-HU" baseline="0" dirty="0" smtClean="0"/>
+              <a:t> helyezés, motiváció, ötletforrás ismertetése. (</a:t>
+            </a:r>
+            <a:r>
+              <a:rPr lang="hu-HU" baseline="0" dirty="0" err="1" smtClean="0"/>
+              <a:t>kb</a:t>
+            </a:r>
+            <a:r>
+              <a:rPr lang="hu-HU" baseline="0" dirty="0" smtClean="0"/>
+              <a:t> </a:t>
+            </a:r>
+            <a:r>
+              <a:rPr lang="hu-HU" baseline="0" dirty="0" err="1" smtClean="0"/>
+              <a:t>szakdoga</a:t>
+            </a:r>
+            <a:r>
+              <a:rPr lang="hu-HU" baseline="0" dirty="0" smtClean="0"/>
+              <a:t> bevezető szerű)</a:t>
+            </a:r>
+          </a:p>
+          <a:p>
+            <a:endParaRPr lang="hu-HU" baseline="0" dirty="0" smtClean="0"/>
+          </a:p>
+          <a:p>
+            <a:r>
+              <a:rPr lang="hu-HU" baseline="0" dirty="0" smtClean="0"/>
+              <a:t>Kulcsszavak előadásra:</a:t>
+            </a:r>
+          </a:p>
+          <a:p>
+            <a:r>
+              <a:rPr lang="hu-HU" baseline="0" dirty="0" smtClean="0"/>
+              <a:t>- Analóg korszakban elterjed </a:t>
+            </a:r>
+            <a:r>
+              <a:rPr lang="hu-HU" baseline="0" dirty="0" err="1" smtClean="0"/>
+              <a:t>kivezérlésjelzők</a:t>
+            </a:r>
+            <a:endParaRPr lang="hu-HU" baseline="0" dirty="0" smtClean="0"/>
+          </a:p>
+          <a:p>
+            <a:pPr>
+              <a:buFontTx/>
+              <a:buChar char="-"/>
+            </a:pPr>
+            <a:r>
+              <a:rPr lang="hu-HU" baseline="0" dirty="0" smtClean="0"/>
+              <a:t> Eszközöket védték</a:t>
+            </a:r>
+          </a:p>
+          <a:p>
+            <a:pPr>
+              <a:buFontTx/>
+              <a:buChar char="-"/>
+            </a:pPr>
+            <a:r>
+              <a:rPr lang="hu-HU" dirty="0" smtClean="0"/>
+              <a:t> Digitális eszközök megjelenésével eltűntek</a:t>
+            </a:r>
+          </a:p>
+          <a:p>
+            <a:pPr>
+              <a:buFontTx/>
+              <a:buChar char="-"/>
+            </a:pPr>
+            <a:r>
+              <a:rPr lang="hu-HU" baseline="0" dirty="0" smtClean="0"/>
+              <a:t> Eredeti funkciójukra nincs szükség, de a látvány jó volt</a:t>
+            </a:r>
+          </a:p>
+          <a:p>
+            <a:pPr>
+              <a:buFontTx/>
+              <a:buChar char="-"/>
+            </a:pPr>
+            <a:r>
+              <a:rPr lang="hu-HU" baseline="0" dirty="0" smtClean="0"/>
+              <a:t>Csak a látványért felelős eszköz megvalósítása</a:t>
+            </a:r>
+          </a:p>
+          <a:p>
+            <a:pPr>
+              <a:buFontTx/>
+              <a:buChar char="-"/>
+            </a:pPr>
+            <a:endParaRPr lang="hu-HU" baseline="0" dirty="0" smtClean="0"/>
+          </a:p>
+          <a:p>
+            <a:pPr>
+              <a:buFontTx/>
+              <a:buChar char="-"/>
+            </a:pPr>
+            <a:endParaRPr lang="hu-HU" baseline="0" dirty="0" smtClean="0"/>
+          </a:p>
+          <a:p>
+            <a:pPr>
+              <a:buFontTx/>
+              <a:buChar char="-"/>
+            </a:pPr>
+            <a:endParaRPr lang="hu-HU" baseline="0" dirty="0" smtClean="0"/>
           </a:p>
         </p:txBody>
       </p:sp>
@@ -539,7 +646,716 @@
           <a:p>
             <a:fld id="{4FD4484C-0A27-414D-B6C0-751BB263F891}" type="slidenum">
               <a:rPr lang="hu-HU" smtClean="0"/>
-              <a:t>4</a:t>
+              <a:pPr/>
+              <a:t>2</a:t>
+            </a:fld>
+            <a:endParaRPr lang="hu-HU"/>
+          </a:p>
+        </p:txBody>
+      </p:sp>
+    </p:spTree>
+  </p:cSld>
+  <p:clrMapOvr>
+    <a:masterClrMapping/>
+  </p:clrMapOvr>
+</p:notes>
+</file>
+
+<file path=ppt/notesSlides/notesSlide10.xml><?xml version="1.0" encoding="utf-8"?>
+<p:notes xmlns:a="http://schemas.openxmlformats.org/drawingml/2006/main" xmlns:r="http://schemas.openxmlformats.org/officeDocument/2006/relationships" xmlns:p="http://schemas.openxmlformats.org/presentationml/2006/main">
+  <p:cSld>
+    <p:spTree>
+      <p:nvGrpSpPr>
+        <p:cNvPr id="1" name=""/>
+        <p:cNvGrpSpPr/>
+        <p:nvPr/>
+      </p:nvGrpSpPr>
+      <p:grpSpPr>
+        <a:xfrm>
+          <a:off x="0" y="0"/>
+          <a:ext cx="0" cy="0"/>
+          <a:chOff x="0" y="0"/>
+          <a:chExt cx="0" cy="0"/>
+        </a:xfrm>
+      </p:grpSpPr>
+      <p:sp>
+        <p:nvSpPr>
+          <p:cNvPr id="2" name="Diakép helye 1"/>
+          <p:cNvSpPr>
+            <a:spLocks noGrp="1" noRot="1" noChangeAspect="1"/>
+          </p:cNvSpPr>
+          <p:nvPr>
+            <p:ph type="sldImg"/>
+          </p:nvPr>
+        </p:nvSpPr>
+        <p:spPr/>
+      </p:sp>
+      <p:sp>
+        <p:nvSpPr>
+          <p:cNvPr id="3" name="Jegyzetek helye 2"/>
+          <p:cNvSpPr>
+            <a:spLocks noGrp="1"/>
+          </p:cNvSpPr>
+          <p:nvPr>
+            <p:ph type="body" idx="1"/>
+          </p:nvPr>
+        </p:nvSpPr>
+        <p:spPr/>
+        <p:txBody>
+          <a:bodyPr>
+            <a:normAutofit/>
+          </a:bodyPr>
+          <a:lstStyle/>
+          <a:p>
+            <a:pPr marL="0" marR="0" lvl="1" indent="0" algn="l" defTabSz="914400" rtl="0" eaLnBrk="1" fontAlgn="auto" latinLnBrk="0" hangingPunct="1">
+              <a:lnSpc>
+                <a:spcPct val="100000"/>
+              </a:lnSpc>
+              <a:spcBef>
+                <a:spcPts val="0"/>
+              </a:spcBef>
+              <a:spcAft>
+                <a:spcPts val="0"/>
+              </a:spcAft>
+              <a:buClrTx/>
+              <a:buSzTx/>
+              <a:buFontTx/>
+              <a:buNone/>
+              <a:tabLst/>
+              <a:defRPr/>
+            </a:pPr>
+            <a:r>
+              <a:rPr lang="hu-HU" sz="1400" dirty="0" smtClean="0"/>
+              <a:t>Szöveg hozzá:</a:t>
+            </a:r>
+          </a:p>
+          <a:p>
+            <a:pPr marL="0" marR="0" lvl="1" indent="0" algn="l" defTabSz="914400" rtl="0" eaLnBrk="1" fontAlgn="auto" latinLnBrk="0" hangingPunct="1">
+              <a:lnSpc>
+                <a:spcPct val="100000"/>
+              </a:lnSpc>
+              <a:spcBef>
+                <a:spcPts val="0"/>
+              </a:spcBef>
+              <a:spcAft>
+                <a:spcPts val="0"/>
+              </a:spcAft>
+              <a:buClrTx/>
+              <a:buSzTx/>
+              <a:buFontTx/>
+              <a:buNone/>
+              <a:tabLst/>
+              <a:defRPr/>
+            </a:pPr>
+            <a:endParaRPr lang="hu-HU" sz="1400" dirty="0" smtClean="0"/>
+          </a:p>
+          <a:p>
+            <a:pPr marL="0" marR="0" lvl="1" indent="0" algn="l" defTabSz="914400" rtl="0" eaLnBrk="1" fontAlgn="auto" latinLnBrk="0" hangingPunct="1">
+              <a:lnSpc>
+                <a:spcPct val="100000"/>
+              </a:lnSpc>
+              <a:spcBef>
+                <a:spcPts val="0"/>
+              </a:spcBef>
+              <a:spcAft>
+                <a:spcPts val="0"/>
+              </a:spcAft>
+              <a:buClrTx/>
+              <a:buSzTx/>
+              <a:buFontTx/>
+              <a:buNone/>
+              <a:tabLst/>
+              <a:defRPr/>
+            </a:pPr>
+            <a:r>
+              <a:rPr lang="hu-HU" sz="1400" dirty="0" smtClean="0"/>
+              <a:t>A mikrokontroller </a:t>
+            </a:r>
+            <a:r>
+              <a:rPr lang="hu-HU" sz="1400" dirty="0" err="1" smtClean="0"/>
+              <a:t>órajelfrekvenciája</a:t>
+            </a:r>
+            <a:r>
+              <a:rPr lang="hu-HU" sz="1400" dirty="0" smtClean="0"/>
+              <a:t> határozza meg hogy másodpercenként hány órajel „ütés” keletkezik. A mintavételi frekvencia pedig azt, hogy másodpercenként hány mintát szeretnénk venni.</a:t>
+            </a:r>
+          </a:p>
+          <a:p>
+            <a:pPr marL="0" marR="0" lvl="1" indent="0" algn="l" defTabSz="914400" rtl="0" eaLnBrk="1" fontAlgn="auto" latinLnBrk="0" hangingPunct="1">
+              <a:lnSpc>
+                <a:spcPct val="100000"/>
+              </a:lnSpc>
+              <a:spcBef>
+                <a:spcPts val="0"/>
+              </a:spcBef>
+              <a:spcAft>
+                <a:spcPts val="0"/>
+              </a:spcAft>
+              <a:buClrTx/>
+              <a:buSzTx/>
+              <a:buFontTx/>
+              <a:buNone/>
+              <a:tabLst/>
+              <a:defRPr/>
+            </a:pPr>
+            <a:r>
+              <a:rPr lang="hu-HU" sz="1400" dirty="0" smtClean="0"/>
+              <a:t>Ha tehát 40 kHz a mintavételi frekvencia, ez esetben másodpercenként 40 ezer mintát kell venni</a:t>
+            </a:r>
+          </a:p>
+          <a:p>
+            <a:pPr marL="0" marR="0" lvl="1" indent="0" algn="l" defTabSz="914400" rtl="0" eaLnBrk="1" fontAlgn="auto" latinLnBrk="0" hangingPunct="1">
+              <a:lnSpc>
+                <a:spcPct val="100000"/>
+              </a:lnSpc>
+              <a:spcBef>
+                <a:spcPts val="0"/>
+              </a:spcBef>
+              <a:spcAft>
+                <a:spcPts val="0"/>
+              </a:spcAft>
+              <a:buClrTx/>
+              <a:buSzTx/>
+              <a:buFontTx/>
+              <a:buNone/>
+              <a:tabLst/>
+              <a:defRPr/>
+            </a:pPr>
+            <a:r>
+              <a:rPr lang="hu-HU" sz="1400" dirty="0" smtClean="0"/>
+              <a:t>ha egy minta vétele 15 órajel , akkor ehhez másodpercenként 40 000 * 15 </a:t>
+            </a:r>
+            <a:r>
+              <a:rPr lang="hu-HU" sz="1400" dirty="0" err="1" smtClean="0"/>
+              <a:t>órajelütésre</a:t>
+            </a:r>
+            <a:r>
+              <a:rPr lang="hu-HU" sz="1400" dirty="0" smtClean="0"/>
+              <a:t> van szükség</a:t>
+            </a:r>
+          </a:p>
+          <a:p>
+            <a:pPr marL="0" marR="0" lvl="1" indent="0" algn="l" defTabSz="914400" rtl="0" eaLnBrk="1" fontAlgn="auto" latinLnBrk="0" hangingPunct="1">
+              <a:lnSpc>
+                <a:spcPct val="100000"/>
+              </a:lnSpc>
+              <a:spcBef>
+                <a:spcPts val="0"/>
+              </a:spcBef>
+              <a:spcAft>
+                <a:spcPts val="0"/>
+              </a:spcAft>
+              <a:buClrTx/>
+              <a:buSzTx/>
+              <a:buFontTx/>
+              <a:buNone/>
+              <a:tabLst/>
+              <a:defRPr/>
+            </a:pPr>
+            <a:r>
+              <a:rPr lang="hu-HU" sz="1400" dirty="0" smtClean="0"/>
+              <a:t> tehát másodpercenként 600 000 –re, ami 60 </a:t>
+            </a:r>
+            <a:r>
+              <a:rPr lang="hu-HU" sz="1400" dirty="0" err="1" smtClean="0"/>
+              <a:t>mHz</a:t>
+            </a:r>
+            <a:r>
+              <a:rPr lang="hu-HU" sz="1400" dirty="0" smtClean="0"/>
+              <a:t>  ez frekvenciát jelent. </a:t>
+            </a:r>
+          </a:p>
+          <a:p>
+            <a:pPr marL="0" marR="0" lvl="1" indent="0" algn="l" defTabSz="914400" rtl="0" eaLnBrk="1" fontAlgn="auto" latinLnBrk="0" hangingPunct="1">
+              <a:lnSpc>
+                <a:spcPct val="100000"/>
+              </a:lnSpc>
+              <a:spcBef>
+                <a:spcPts val="0"/>
+              </a:spcBef>
+              <a:spcAft>
+                <a:spcPts val="0"/>
+              </a:spcAft>
+              <a:buClrTx/>
+              <a:buSzTx/>
+              <a:buFontTx/>
+              <a:buNone/>
+              <a:tabLst/>
+              <a:defRPr/>
+            </a:pPr>
+            <a:endParaRPr lang="hu-HU" sz="1400" dirty="0" smtClean="0"/>
+          </a:p>
+          <a:p>
+            <a:pPr marL="0" marR="0" lvl="1" indent="0" algn="l" defTabSz="914400" rtl="0" eaLnBrk="1" fontAlgn="auto" latinLnBrk="0" hangingPunct="1">
+              <a:lnSpc>
+                <a:spcPct val="100000"/>
+              </a:lnSpc>
+              <a:spcBef>
+                <a:spcPts val="0"/>
+              </a:spcBef>
+              <a:spcAft>
+                <a:spcPts val="0"/>
+              </a:spcAft>
+              <a:buClrTx/>
+              <a:buSzTx/>
+              <a:buFontTx/>
+              <a:buNone/>
+              <a:tabLst/>
+              <a:defRPr/>
+            </a:pPr>
+            <a:r>
+              <a:rPr lang="hu-HU" sz="1400" dirty="0" smtClean="0"/>
+              <a:t>A felső határ ezzel ekvivalens módon</a:t>
+            </a:r>
+            <a:r>
+              <a:rPr lang="hu-HU" sz="1400" baseline="0" dirty="0" smtClean="0"/>
+              <a:t> számolódik.</a:t>
+            </a:r>
+          </a:p>
+          <a:p>
+            <a:pPr marL="0" marR="0" lvl="1" indent="0" algn="l" defTabSz="914400" rtl="0" eaLnBrk="1" fontAlgn="auto" latinLnBrk="0" hangingPunct="1">
+              <a:lnSpc>
+                <a:spcPct val="100000"/>
+              </a:lnSpc>
+              <a:spcBef>
+                <a:spcPts val="0"/>
+              </a:spcBef>
+              <a:spcAft>
+                <a:spcPts val="0"/>
+              </a:spcAft>
+              <a:buClrTx/>
+              <a:buSzTx/>
+              <a:buFontTx/>
+              <a:buNone/>
+              <a:tabLst/>
+              <a:defRPr/>
+            </a:pPr>
+            <a:endParaRPr lang="hu-HU" sz="1400" baseline="0" dirty="0" smtClean="0"/>
+          </a:p>
+          <a:p>
+            <a:pPr marL="0" marR="0" lvl="1" indent="0" algn="l" defTabSz="914400" rtl="0" eaLnBrk="1" fontAlgn="auto" latinLnBrk="0" hangingPunct="1">
+              <a:lnSpc>
+                <a:spcPct val="100000"/>
+              </a:lnSpc>
+              <a:spcBef>
+                <a:spcPts val="0"/>
+              </a:spcBef>
+              <a:spcAft>
+                <a:spcPts val="0"/>
+              </a:spcAft>
+              <a:buClrTx/>
+              <a:buSzTx/>
+              <a:buFontTx/>
+              <a:buNone/>
+              <a:tabLst/>
+              <a:defRPr/>
+            </a:pPr>
+            <a:r>
+              <a:rPr lang="hu-HU" sz="1400" baseline="0" dirty="0" smtClean="0"/>
+              <a:t>Megjegyzés : Nem konkrét értékre volt szükség ugyanis 40 ezer </a:t>
+            </a:r>
+            <a:r>
+              <a:rPr lang="hu-HU" sz="1400" baseline="0" dirty="0" err="1" smtClean="0"/>
+              <a:t>nél</a:t>
+            </a:r>
+            <a:r>
+              <a:rPr lang="hu-HU" sz="1400" baseline="0" dirty="0" smtClean="0"/>
+              <a:t> lehet nagyobb , az nem zavar semmit.</a:t>
+            </a:r>
+          </a:p>
+          <a:p>
+            <a:pPr marL="0" marR="0" lvl="1" indent="0" algn="l" defTabSz="914400" rtl="0" eaLnBrk="1" fontAlgn="auto" latinLnBrk="0" hangingPunct="1">
+              <a:lnSpc>
+                <a:spcPct val="100000"/>
+              </a:lnSpc>
+              <a:spcBef>
+                <a:spcPts val="0"/>
+              </a:spcBef>
+              <a:spcAft>
+                <a:spcPts val="0"/>
+              </a:spcAft>
+              <a:buClrTx/>
+              <a:buSzTx/>
+              <a:buFontTx/>
+              <a:buNone/>
+              <a:tabLst/>
+              <a:defRPr/>
+            </a:pPr>
+            <a:r>
+              <a:rPr lang="hu-HU" sz="1400" baseline="0" dirty="0" smtClean="0"/>
+              <a:t>így ezen intervallum felső határának nyitottá tételével egy időzítés segítő paramétert kaptam.</a:t>
+            </a:r>
+            <a:endParaRPr lang="hu-HU" sz="1400" dirty="0" smtClean="0"/>
+          </a:p>
+          <a:p>
+            <a:endParaRPr lang="hu-HU" dirty="0"/>
+          </a:p>
+        </p:txBody>
+      </p:sp>
+      <p:sp>
+        <p:nvSpPr>
+          <p:cNvPr id="4" name="Dia számának helye 3"/>
+          <p:cNvSpPr>
+            <a:spLocks noGrp="1"/>
+          </p:cNvSpPr>
+          <p:nvPr>
+            <p:ph type="sldNum" sz="quarter" idx="10"/>
+          </p:nvPr>
+        </p:nvSpPr>
+        <p:spPr/>
+        <p:txBody>
+          <a:bodyPr/>
+          <a:lstStyle/>
+          <a:p>
+            <a:fld id="{4FD4484C-0A27-414D-B6C0-751BB263F891}" type="slidenum">
+              <a:rPr lang="hu-HU" smtClean="0"/>
+              <a:pPr/>
+              <a:t>12</a:t>
+            </a:fld>
+            <a:endParaRPr lang="hu-HU"/>
+          </a:p>
+        </p:txBody>
+      </p:sp>
+    </p:spTree>
+  </p:cSld>
+  <p:clrMapOvr>
+    <a:masterClrMapping/>
+  </p:clrMapOvr>
+</p:notes>
+</file>
+
+<file path=ppt/notesSlides/notesSlide11.xml><?xml version="1.0" encoding="utf-8"?>
+<p:notes xmlns:a="http://schemas.openxmlformats.org/drawingml/2006/main" xmlns:r="http://schemas.openxmlformats.org/officeDocument/2006/relationships" xmlns:p="http://schemas.openxmlformats.org/presentationml/2006/main">
+  <p:cSld>
+    <p:spTree>
+      <p:nvGrpSpPr>
+        <p:cNvPr id="1" name=""/>
+        <p:cNvGrpSpPr/>
+        <p:nvPr/>
+      </p:nvGrpSpPr>
+      <p:grpSpPr>
+        <a:xfrm>
+          <a:off x="0" y="0"/>
+          <a:ext cx="0" cy="0"/>
+          <a:chOff x="0" y="0"/>
+          <a:chExt cx="0" cy="0"/>
+        </a:xfrm>
+      </p:grpSpPr>
+      <p:sp>
+        <p:nvSpPr>
+          <p:cNvPr id="2" name="Diakép helye 1"/>
+          <p:cNvSpPr>
+            <a:spLocks noGrp="1" noRot="1" noChangeAspect="1"/>
+          </p:cNvSpPr>
+          <p:nvPr>
+            <p:ph type="sldImg"/>
+          </p:nvPr>
+        </p:nvSpPr>
+        <p:spPr/>
+      </p:sp>
+      <p:sp>
+        <p:nvSpPr>
+          <p:cNvPr id="3" name="Jegyzetek helye 2"/>
+          <p:cNvSpPr>
+            <a:spLocks noGrp="1"/>
+          </p:cNvSpPr>
+          <p:nvPr>
+            <p:ph type="body" idx="1"/>
+          </p:nvPr>
+        </p:nvSpPr>
+        <p:spPr/>
+        <p:txBody>
+          <a:bodyPr>
+            <a:normAutofit/>
+          </a:bodyPr>
+          <a:lstStyle/>
+          <a:p>
+            <a:r>
+              <a:rPr lang="hu-HU" dirty="0" smtClean="0"/>
+              <a:t>Kicsit beszélek hogy hol milyen toleranciát fogad el a </a:t>
+            </a:r>
+            <a:r>
+              <a:rPr lang="hu-HU" dirty="0" err="1" smtClean="0"/>
+              <a:t>led</a:t>
+            </a:r>
+            <a:r>
+              <a:rPr lang="hu-HU" dirty="0" smtClean="0"/>
+              <a:t>.</a:t>
+            </a:r>
+            <a:r>
+              <a:rPr lang="hu-HU" baseline="0" dirty="0" smtClean="0"/>
+              <a:t> </a:t>
+            </a:r>
+          </a:p>
+          <a:p>
+            <a:endParaRPr lang="hu-HU" baseline="0" dirty="0" smtClean="0"/>
+          </a:p>
+          <a:p>
+            <a:r>
+              <a:rPr lang="hu-HU" baseline="0" dirty="0" smtClean="0"/>
+              <a:t>Kövi diára berakom a már korábban mutatott képet, melyen látszik a SPI üzenetküldéssel elért időzítések és hogy ez még tűréshatáron belül van.</a:t>
+            </a:r>
+            <a:endParaRPr lang="hu-HU" dirty="0"/>
+          </a:p>
+        </p:txBody>
+      </p:sp>
+      <p:sp>
+        <p:nvSpPr>
+          <p:cNvPr id="4" name="Dia számának helye 3"/>
+          <p:cNvSpPr>
+            <a:spLocks noGrp="1"/>
+          </p:cNvSpPr>
+          <p:nvPr>
+            <p:ph type="sldNum" sz="quarter" idx="10"/>
+          </p:nvPr>
+        </p:nvSpPr>
+        <p:spPr/>
+        <p:txBody>
+          <a:bodyPr/>
+          <a:lstStyle/>
+          <a:p>
+            <a:fld id="{4FD4484C-0A27-414D-B6C0-751BB263F891}" type="slidenum">
+              <a:rPr lang="hu-HU" smtClean="0"/>
+              <a:pPr/>
+              <a:t>13</a:t>
+            </a:fld>
+            <a:endParaRPr lang="hu-HU"/>
+          </a:p>
+        </p:txBody>
+      </p:sp>
+    </p:spTree>
+  </p:cSld>
+  <p:clrMapOvr>
+    <a:masterClrMapping/>
+  </p:clrMapOvr>
+</p:notes>
+</file>
+
+<file path=ppt/notesSlides/notesSlide12.xml><?xml version="1.0" encoding="utf-8"?>
+<p:notes xmlns:a="http://schemas.openxmlformats.org/drawingml/2006/main" xmlns:r="http://schemas.openxmlformats.org/officeDocument/2006/relationships" xmlns:p="http://schemas.openxmlformats.org/presentationml/2006/main">
+  <p:cSld>
+    <p:spTree>
+      <p:nvGrpSpPr>
+        <p:cNvPr id="1" name=""/>
+        <p:cNvGrpSpPr/>
+        <p:nvPr/>
+      </p:nvGrpSpPr>
+      <p:grpSpPr>
+        <a:xfrm>
+          <a:off x="0" y="0"/>
+          <a:ext cx="0" cy="0"/>
+          <a:chOff x="0" y="0"/>
+          <a:chExt cx="0" cy="0"/>
+        </a:xfrm>
+      </p:grpSpPr>
+      <p:sp>
+        <p:nvSpPr>
+          <p:cNvPr id="2" name="Diakép helye 1"/>
+          <p:cNvSpPr>
+            <a:spLocks noGrp="1" noRot="1" noChangeAspect="1"/>
+          </p:cNvSpPr>
+          <p:nvPr>
+            <p:ph type="sldImg"/>
+          </p:nvPr>
+        </p:nvSpPr>
+        <p:spPr/>
+      </p:sp>
+      <p:sp>
+        <p:nvSpPr>
+          <p:cNvPr id="3" name="Jegyzetek helye 2"/>
+          <p:cNvSpPr>
+            <a:spLocks noGrp="1"/>
+          </p:cNvSpPr>
+          <p:nvPr>
+            <p:ph type="body" idx="1"/>
+          </p:nvPr>
+        </p:nvSpPr>
+        <p:spPr/>
+        <p:txBody>
+          <a:bodyPr>
+            <a:normAutofit/>
+          </a:bodyPr>
+          <a:lstStyle/>
+          <a:p>
+            <a:endParaRPr lang="hu-HU" dirty="0"/>
+          </a:p>
+        </p:txBody>
+      </p:sp>
+      <p:sp>
+        <p:nvSpPr>
+          <p:cNvPr id="4" name="Dia számának helye 3"/>
+          <p:cNvSpPr>
+            <a:spLocks noGrp="1"/>
+          </p:cNvSpPr>
+          <p:nvPr>
+            <p:ph type="sldNum" sz="quarter" idx="10"/>
+          </p:nvPr>
+        </p:nvSpPr>
+        <p:spPr/>
+        <p:txBody>
+          <a:bodyPr/>
+          <a:lstStyle/>
+          <a:p>
+            <a:fld id="{4FD4484C-0A27-414D-B6C0-751BB263F891}" type="slidenum">
+              <a:rPr lang="hu-HU" smtClean="0"/>
+              <a:pPr/>
+              <a:t>16</a:t>
+            </a:fld>
+            <a:endParaRPr lang="hu-HU"/>
+          </a:p>
+        </p:txBody>
+      </p:sp>
+    </p:spTree>
+  </p:cSld>
+  <p:clrMapOvr>
+    <a:masterClrMapping/>
+  </p:clrMapOvr>
+</p:notes>
+</file>
+
+<file path=ppt/notesSlides/notesSlide13.xml><?xml version="1.0" encoding="utf-8"?>
+<p:notes xmlns:a="http://schemas.openxmlformats.org/drawingml/2006/main" xmlns:r="http://schemas.openxmlformats.org/officeDocument/2006/relationships" xmlns:p="http://schemas.openxmlformats.org/presentationml/2006/main">
+  <p:cSld>
+    <p:spTree>
+      <p:nvGrpSpPr>
+        <p:cNvPr id="1" name=""/>
+        <p:cNvGrpSpPr/>
+        <p:nvPr/>
+      </p:nvGrpSpPr>
+      <p:grpSpPr>
+        <a:xfrm>
+          <a:off x="0" y="0"/>
+          <a:ext cx="0" cy="0"/>
+          <a:chOff x="0" y="0"/>
+          <a:chExt cx="0" cy="0"/>
+        </a:xfrm>
+      </p:grpSpPr>
+      <p:sp>
+        <p:nvSpPr>
+          <p:cNvPr id="2" name="Diakép helye 1"/>
+          <p:cNvSpPr>
+            <a:spLocks noGrp="1" noRot="1" noChangeAspect="1"/>
+          </p:cNvSpPr>
+          <p:nvPr>
+            <p:ph type="sldImg"/>
+          </p:nvPr>
+        </p:nvSpPr>
+        <p:spPr/>
+      </p:sp>
+      <p:sp>
+        <p:nvSpPr>
+          <p:cNvPr id="3" name="Jegyzetek helye 2"/>
+          <p:cNvSpPr>
+            <a:spLocks noGrp="1"/>
+          </p:cNvSpPr>
+          <p:nvPr>
+            <p:ph type="body" idx="1"/>
+          </p:nvPr>
+        </p:nvSpPr>
+        <p:spPr/>
+        <p:txBody>
+          <a:bodyPr>
+            <a:normAutofit/>
+          </a:bodyPr>
+          <a:lstStyle/>
+          <a:p>
+            <a:r>
+              <a:rPr lang="hu-HU" dirty="0" smtClean="0"/>
+              <a:t>A tipikus </a:t>
+            </a:r>
+            <a:r>
+              <a:rPr lang="hu-HU" dirty="0" err="1" smtClean="0"/>
+              <a:t>frekvenciafelosztás</a:t>
+            </a:r>
+            <a:r>
+              <a:rPr lang="hu-HU" dirty="0" smtClean="0"/>
+              <a:t> a következő: </a:t>
+            </a:r>
+          </a:p>
+          <a:p>
+            <a:r>
+              <a:rPr lang="hu-HU" dirty="0" smtClean="0"/>
+              <a:t>20-60Hz a </a:t>
+            </a:r>
+            <a:r>
+              <a:rPr lang="hu-HU" dirty="0" err="1" smtClean="0"/>
+              <a:t>szub-basszus</a:t>
+            </a:r>
+            <a:r>
+              <a:rPr lang="hu-HU" dirty="0" smtClean="0"/>
+              <a:t>,</a:t>
+            </a:r>
+          </a:p>
+          <a:p>
+            <a:r>
+              <a:rPr lang="hu-HU" dirty="0" smtClean="0"/>
+              <a:t>60-150Hz a basszus, </a:t>
+            </a:r>
+          </a:p>
+          <a:p>
+            <a:r>
+              <a:rPr lang="hu-HU" dirty="0" smtClean="0"/>
+              <a:t>150Hz-500Hz: alsó-közép tartomány, </a:t>
+            </a:r>
+          </a:p>
+          <a:p>
+            <a:r>
+              <a:rPr lang="hu-HU" dirty="0" smtClean="0"/>
+              <a:t>500Hz-2kHz középtartomány, </a:t>
+            </a:r>
+          </a:p>
+          <a:p>
+            <a:r>
+              <a:rPr lang="hu-HU" dirty="0" smtClean="0"/>
+              <a:t>2-4kHz a felső közép tartomány,</a:t>
+            </a:r>
+          </a:p>
+          <a:p>
+            <a:r>
+              <a:rPr lang="hu-HU" dirty="0" smtClean="0"/>
+              <a:t>4- 6kHz: </a:t>
+            </a:r>
+            <a:r>
+              <a:rPr lang="hu-HU" dirty="0" err="1" smtClean="0"/>
+              <a:t>Precence</a:t>
+            </a:r>
+            <a:r>
+              <a:rPr lang="hu-HU" dirty="0" smtClean="0"/>
+              <a:t>, </a:t>
+            </a:r>
+          </a:p>
+          <a:p>
+            <a:r>
+              <a:rPr lang="hu-HU" dirty="0" smtClean="0"/>
+              <a:t>6-20kHz: </a:t>
+            </a:r>
+            <a:r>
+              <a:rPr lang="hu-HU" dirty="0" err="1" smtClean="0"/>
+              <a:t>Brilliance</a:t>
+            </a:r>
+            <a:endParaRPr lang="hu-HU" dirty="0"/>
+          </a:p>
+        </p:txBody>
+      </p:sp>
+      <p:sp>
+        <p:nvSpPr>
+          <p:cNvPr id="4" name="Dia számának helye 3"/>
+          <p:cNvSpPr>
+            <a:spLocks noGrp="1"/>
+          </p:cNvSpPr>
+          <p:nvPr>
+            <p:ph type="sldNum" sz="quarter" idx="10"/>
+          </p:nvPr>
+        </p:nvSpPr>
+        <p:spPr/>
+        <p:txBody>
+          <a:bodyPr/>
+          <a:lstStyle/>
+          <a:p>
+            <a:fld id="{4FD4484C-0A27-414D-B6C0-751BB263F891}" type="slidenum">
+              <a:rPr lang="hu-HU" smtClean="0"/>
+              <a:pPr/>
+              <a:t>17</a:t>
             </a:fld>
             <a:endParaRPr lang="hu-HU"/>
           </a:p>
@@ -601,9 +1417,72 @@
           <a:p>
             <a:r>
               <a:rPr lang="hu-HU" dirty="0" smtClean="0"/>
-              <a:t>Általános architektúra</a:t>
-            </a:r>
-            <a:endParaRPr lang="hu-HU" dirty="0"/>
+              <a:t>Az eszköz követelményeinek</a:t>
+            </a:r>
+            <a:r>
+              <a:rPr lang="hu-HU" baseline="0" dirty="0" smtClean="0"/>
+              <a:t> ismertetése, általános ötlet konkretizálása.</a:t>
+            </a:r>
+          </a:p>
+          <a:p>
+            <a:endParaRPr lang="hu-HU" baseline="0" dirty="0" smtClean="0"/>
+          </a:p>
+          <a:p>
+            <a:r>
+              <a:rPr lang="hu-HU" baseline="0" dirty="0" smtClean="0"/>
+              <a:t>Kulcsszavak:</a:t>
+            </a:r>
+          </a:p>
+          <a:p>
+            <a:pPr>
+              <a:buFontTx/>
+              <a:buChar char="-"/>
+            </a:pPr>
+            <a:r>
+              <a:rPr lang="hu-HU" baseline="0" dirty="0" err="1" smtClean="0"/>
+              <a:t>Öneálló</a:t>
+            </a:r>
+            <a:r>
+              <a:rPr lang="hu-HU" baseline="0" dirty="0" smtClean="0"/>
+              <a:t>, zene lejátszásától független</a:t>
+            </a:r>
+          </a:p>
+          <a:p>
+            <a:pPr>
+              <a:buFontTx/>
+              <a:buChar char="-"/>
+            </a:pPr>
+            <a:r>
+              <a:rPr lang="hu-HU" baseline="0" dirty="0" smtClean="0"/>
+              <a:t> Hordozható és </a:t>
+            </a:r>
+          </a:p>
+          <a:p>
+            <a:pPr>
+              <a:buFontTx/>
+              <a:buChar char="-"/>
+            </a:pPr>
+            <a:r>
+              <a:rPr lang="hu-HU" baseline="0" dirty="0" smtClean="0"/>
+              <a:t> sok dologgal kompatibilis</a:t>
+            </a:r>
+          </a:p>
+          <a:p>
+            <a:pPr>
+              <a:buFontTx/>
+              <a:buChar char="-"/>
+            </a:pPr>
+            <a:r>
+              <a:rPr lang="hu-HU" baseline="0" dirty="0" smtClean="0"/>
+              <a:t> Személyre szabható </a:t>
+            </a:r>
+          </a:p>
+          <a:p>
+            <a:pPr>
+              <a:buFontTx/>
+              <a:buNone/>
+            </a:pPr>
+            <a:endParaRPr lang="hu-HU" baseline="0" dirty="0" smtClean="0"/>
           </a:p>
         </p:txBody>
       </p:sp>
@@ -624,7 +1503,1035 @@
           <a:p>
             <a:fld id="{4FD4484C-0A27-414D-B6C0-751BB263F891}" type="slidenum">
               <a:rPr lang="hu-HU" smtClean="0"/>
+              <a:pPr/>
+              <a:t>3</a:t>
+            </a:fld>
+            <a:endParaRPr lang="hu-HU"/>
+          </a:p>
+        </p:txBody>
+      </p:sp>
+    </p:spTree>
+  </p:cSld>
+  <p:clrMapOvr>
+    <a:masterClrMapping/>
+  </p:clrMapOvr>
+</p:notes>
+</file>
+
+<file path=ppt/notesSlides/notesSlide3.xml><?xml version="1.0" encoding="utf-8"?>
+<p:notes xmlns:a="http://schemas.openxmlformats.org/drawingml/2006/main" xmlns:r="http://schemas.openxmlformats.org/officeDocument/2006/relationships" xmlns:p="http://schemas.openxmlformats.org/presentationml/2006/main">
+  <p:cSld>
+    <p:spTree>
+      <p:nvGrpSpPr>
+        <p:cNvPr id="1" name=""/>
+        <p:cNvGrpSpPr/>
+        <p:nvPr/>
+      </p:nvGrpSpPr>
+      <p:grpSpPr>
+        <a:xfrm>
+          <a:off x="0" y="0"/>
+          <a:ext cx="0" cy="0"/>
+          <a:chOff x="0" y="0"/>
+          <a:chExt cx="0" cy="0"/>
+        </a:xfrm>
+      </p:grpSpPr>
+      <p:sp>
+        <p:nvSpPr>
+          <p:cNvPr id="2" name="Diakép helye 1"/>
+          <p:cNvSpPr>
+            <a:spLocks noGrp="1" noRot="1" noChangeAspect="1"/>
+          </p:cNvSpPr>
+          <p:nvPr>
+            <p:ph type="sldImg"/>
+          </p:nvPr>
+        </p:nvSpPr>
+        <p:spPr/>
+      </p:sp>
+      <p:sp>
+        <p:nvSpPr>
+          <p:cNvPr id="3" name="Jegyzetek helye 2"/>
+          <p:cNvSpPr>
+            <a:spLocks noGrp="1"/>
+          </p:cNvSpPr>
+          <p:nvPr>
+            <p:ph type="body" idx="1"/>
+          </p:nvPr>
+        </p:nvSpPr>
+        <p:spPr/>
+        <p:txBody>
+          <a:bodyPr>
+            <a:normAutofit/>
+          </a:bodyPr>
+          <a:lstStyle/>
+          <a:p>
+            <a:r>
+              <a:rPr lang="hu-HU" dirty="0" smtClean="0"/>
+              <a:t>Eszközök felsorolása végighaladva a </a:t>
+            </a:r>
+            <a:r>
+              <a:rPr lang="hu-HU" dirty="0" smtClean="0"/>
+              <a:t>blokkdiagramon.</a:t>
+            </a:r>
+          </a:p>
+          <a:p>
+            <a:r>
+              <a:rPr lang="hu-HU" dirty="0" smtClean="0"/>
+              <a:t>Konkrét </a:t>
+            </a:r>
+            <a:r>
+              <a:rPr lang="hu-HU" dirty="0" err="1" smtClean="0"/>
+              <a:t>tipusok</a:t>
+            </a:r>
+            <a:r>
+              <a:rPr lang="hu-HU" dirty="0" smtClean="0"/>
+              <a:t> felsorolása, és pár szóban hogy miért amellett döntöttem.</a:t>
+            </a:r>
+          </a:p>
+          <a:p>
+            <a:endParaRPr lang="hu-HU" dirty="0" smtClean="0"/>
+          </a:p>
+          <a:p>
+            <a:r>
+              <a:rPr lang="hu-HU" dirty="0" smtClean="0"/>
+              <a:t>Kulcsszavak: </a:t>
+            </a:r>
+            <a:endParaRPr lang="hu-HU" dirty="0"/>
+          </a:p>
+          <a:p>
+            <a:r>
+              <a:rPr lang="hu-HU" dirty="0" smtClean="0"/>
+              <a:t>-STM</a:t>
+            </a:r>
+            <a:r>
+              <a:rPr lang="hu-HU" baseline="0" dirty="0" smtClean="0"/>
+              <a:t> </a:t>
+            </a:r>
+            <a:r>
+              <a:rPr lang="hu-HU" baseline="0" dirty="0" err="1" smtClean="0"/>
+              <a:t>Nucleo</a:t>
+            </a:r>
+            <a:r>
+              <a:rPr lang="hu-HU" baseline="0" dirty="0" smtClean="0"/>
+              <a:t> F446RE fejlesztőkártya</a:t>
+            </a:r>
+          </a:p>
+          <a:p>
+            <a:r>
+              <a:rPr lang="hu-HU" baseline="0" dirty="0" smtClean="0"/>
+              <a:t>	- olcsó</a:t>
+            </a:r>
+          </a:p>
+          <a:p>
+            <a:r>
+              <a:rPr lang="hu-HU" baseline="0" dirty="0" smtClean="0"/>
+              <a:t>	- jó teljesítmény</a:t>
+            </a:r>
+          </a:p>
+          <a:p>
+            <a:r>
+              <a:rPr lang="hu-HU" baseline="0" dirty="0" smtClean="0"/>
+              <a:t>	- saját </a:t>
+            </a:r>
+            <a:r>
+              <a:rPr lang="hu-HU" baseline="0" dirty="0" err="1" smtClean="0"/>
+              <a:t>Adc</a:t>
+            </a:r>
+            <a:r>
+              <a:rPr lang="hu-HU" baseline="0" dirty="0" smtClean="0"/>
+              <a:t> modul</a:t>
+            </a:r>
+          </a:p>
+          <a:p>
+            <a:r>
+              <a:rPr lang="hu-HU" baseline="0" dirty="0" smtClean="0"/>
+              <a:t>	- fejlesztői támogatások</a:t>
+            </a:r>
+          </a:p>
+          <a:p>
+            <a:pPr>
+              <a:buFontTx/>
+              <a:buChar char="-"/>
+            </a:pPr>
+            <a:r>
+              <a:rPr lang="hu-HU" baseline="0" dirty="0" smtClean="0"/>
+              <a:t>WS2812 LED</a:t>
+            </a:r>
+          </a:p>
+          <a:p>
+            <a:pPr lvl="2">
+              <a:buFontTx/>
+              <a:buChar char="-"/>
+            </a:pPr>
+            <a:r>
+              <a:rPr lang="hu-HU" baseline="0" dirty="0" smtClean="0"/>
+              <a:t>Címezhető</a:t>
+            </a:r>
+          </a:p>
+          <a:p>
+            <a:pPr lvl="2">
+              <a:buFontTx/>
+              <a:buChar char="-"/>
+            </a:pPr>
+            <a:r>
+              <a:rPr lang="hu-HU" baseline="0" dirty="0" smtClean="0"/>
+              <a:t> nehéz ütemezés</a:t>
+            </a:r>
+          </a:p>
+          <a:p>
+            <a:pPr>
+              <a:buFontTx/>
+              <a:buNone/>
+            </a:pPr>
+            <a:endParaRPr lang="hu-HU" baseline="0" dirty="0" smtClean="0"/>
+          </a:p>
+          <a:p>
+            <a:pPr>
+              <a:buFontTx/>
+              <a:buChar char="-"/>
+            </a:pPr>
+            <a:r>
+              <a:rPr lang="hu-HU" baseline="0" dirty="0" smtClean="0"/>
+              <a:t>Információáramlás elmondása : </a:t>
+            </a:r>
+          </a:p>
+          <a:p>
+            <a:pPr lvl="1">
+              <a:buFontTx/>
+              <a:buChar char="-"/>
+            </a:pPr>
+            <a:r>
+              <a:rPr lang="hu-HU" baseline="0" dirty="0" smtClean="0"/>
+              <a:t> Kontroller beolvassa a jelet</a:t>
+            </a:r>
+          </a:p>
+          <a:p>
+            <a:pPr lvl="1">
+              <a:buFontTx/>
+              <a:buChar char="-"/>
+            </a:pPr>
+            <a:r>
+              <a:rPr lang="hu-HU" baseline="0" dirty="0" smtClean="0"/>
+              <a:t> Feldolgozza azt</a:t>
+            </a:r>
+          </a:p>
+          <a:p>
+            <a:pPr lvl="1">
+              <a:buFontTx/>
+              <a:buChar char="-"/>
+            </a:pPr>
+            <a:r>
+              <a:rPr lang="hu-HU" baseline="0" dirty="0" smtClean="0"/>
+              <a:t> Vezérli a </a:t>
+            </a:r>
+            <a:r>
+              <a:rPr lang="hu-HU" baseline="0" dirty="0" err="1" smtClean="0"/>
+              <a:t>Led-eket</a:t>
+            </a:r>
+            <a:endParaRPr lang="hu-HU" baseline="0" dirty="0" smtClean="0"/>
+          </a:p>
+          <a:p>
+            <a:pPr>
+              <a:buFontTx/>
+              <a:buChar char="-"/>
+            </a:pPr>
+            <a:endParaRPr lang="hu-HU" baseline="0" dirty="0" smtClean="0"/>
+          </a:p>
+          <a:p>
+            <a:pPr lvl="2">
+              <a:buFontTx/>
+              <a:buChar char="-"/>
+            </a:pPr>
+            <a:endParaRPr lang="hu-HU" baseline="0" dirty="0" smtClean="0"/>
+          </a:p>
+          <a:p>
+            <a:pPr lvl="2">
+              <a:buFontTx/>
+              <a:buNone/>
+            </a:pPr>
+            <a:endParaRPr lang="hu-HU" baseline="0" dirty="0" smtClean="0"/>
+          </a:p>
+          <a:p>
+            <a:pPr lvl="2">
+              <a:buFontTx/>
+              <a:buChar char="-"/>
+            </a:pPr>
+            <a:endParaRPr lang="hu-HU" baseline="0" dirty="0" smtClean="0"/>
+          </a:p>
+        </p:txBody>
+      </p:sp>
+      <p:sp>
+        <p:nvSpPr>
+          <p:cNvPr id="4" name="Dia számának helye 3"/>
+          <p:cNvSpPr>
+            <a:spLocks noGrp="1"/>
+          </p:cNvSpPr>
+          <p:nvPr>
+            <p:ph type="sldNum" sz="quarter" idx="10"/>
+          </p:nvPr>
+        </p:nvSpPr>
+        <p:spPr/>
+        <p:txBody>
+          <a:bodyPr/>
+          <a:lstStyle/>
+          <a:p>
+            <a:fld id="{4FD4484C-0A27-414D-B6C0-751BB263F891}" type="slidenum">
+              <a:rPr lang="hu-HU" smtClean="0"/>
+              <a:pPr/>
+              <a:t>4</a:t>
+            </a:fld>
+            <a:endParaRPr lang="hu-HU"/>
+          </a:p>
+        </p:txBody>
+      </p:sp>
+    </p:spTree>
+  </p:cSld>
+  <p:clrMapOvr>
+    <a:masterClrMapping/>
+  </p:clrMapOvr>
+</p:notes>
+</file>
+
+<file path=ppt/notesSlides/notesSlide4.xml><?xml version="1.0" encoding="utf-8"?>
+<p:notes xmlns:a="http://schemas.openxmlformats.org/drawingml/2006/main" xmlns:r="http://schemas.openxmlformats.org/officeDocument/2006/relationships" xmlns:p="http://schemas.openxmlformats.org/presentationml/2006/main">
+  <p:cSld>
+    <p:spTree>
+      <p:nvGrpSpPr>
+        <p:cNvPr id="1" name=""/>
+        <p:cNvGrpSpPr/>
+        <p:nvPr/>
+      </p:nvGrpSpPr>
+      <p:grpSpPr>
+        <a:xfrm>
+          <a:off x="0" y="0"/>
+          <a:ext cx="0" cy="0"/>
+          <a:chOff x="0" y="0"/>
+          <a:chExt cx="0" cy="0"/>
+        </a:xfrm>
+      </p:grpSpPr>
+      <p:sp>
+        <p:nvSpPr>
+          <p:cNvPr id="2" name="Diakép helye 1"/>
+          <p:cNvSpPr>
+            <a:spLocks noGrp="1" noRot="1" noChangeAspect="1"/>
+          </p:cNvSpPr>
+          <p:nvPr>
+            <p:ph type="sldImg"/>
+          </p:nvPr>
+        </p:nvSpPr>
+        <p:spPr/>
+      </p:sp>
+      <p:sp>
+        <p:nvSpPr>
+          <p:cNvPr id="3" name="Jegyzetek helye 2"/>
+          <p:cNvSpPr>
+            <a:spLocks noGrp="1"/>
+          </p:cNvSpPr>
+          <p:nvPr>
+            <p:ph type="body" idx="1"/>
+          </p:nvPr>
+        </p:nvSpPr>
+        <p:spPr/>
+        <p:txBody>
+          <a:bodyPr>
+            <a:normAutofit/>
+          </a:bodyPr>
+          <a:lstStyle/>
+          <a:p>
+            <a:r>
+              <a:rPr lang="hu-HU" dirty="0" smtClean="0"/>
+              <a:t>Általános </a:t>
+            </a:r>
+            <a:r>
+              <a:rPr lang="hu-HU" dirty="0" smtClean="0"/>
+              <a:t>architektúra és működés ismertetése. Minden részről pár mondatban hogy miért felelős.</a:t>
+            </a:r>
+          </a:p>
+          <a:p>
+            <a:endParaRPr lang="hu-HU" dirty="0" smtClean="0"/>
+          </a:p>
+          <a:p>
+            <a:r>
+              <a:rPr lang="hu-HU" dirty="0" smtClean="0"/>
+              <a:t>Következő</a:t>
+            </a:r>
+            <a:r>
+              <a:rPr lang="hu-HU" baseline="0" dirty="0" smtClean="0"/>
+              <a:t> diákon az egyes részek működésének ismertetése külön </a:t>
+            </a:r>
+            <a:r>
+              <a:rPr lang="hu-HU" baseline="0" dirty="0" err="1" smtClean="0"/>
+              <a:t>külön</a:t>
+            </a:r>
+            <a:r>
+              <a:rPr lang="hu-HU" baseline="0" dirty="0" smtClean="0"/>
+              <a:t>.</a:t>
+            </a:r>
+          </a:p>
+          <a:p>
+            <a:endParaRPr lang="hu-HU" baseline="0" dirty="0" smtClean="0"/>
+          </a:p>
+          <a:p>
+            <a:r>
+              <a:rPr lang="hu-HU" baseline="0" dirty="0" smtClean="0"/>
+              <a:t>Az ilyen </a:t>
+            </a:r>
+            <a:r>
+              <a:rPr lang="hu-HU" baseline="0" dirty="0" err="1" smtClean="0"/>
+              <a:t>tipusú</a:t>
+            </a:r>
+            <a:r>
+              <a:rPr lang="hu-HU" baseline="0" dirty="0" smtClean="0"/>
+              <a:t> ütemezés szükségessége (utalva rá hogy a LED </a:t>
+            </a:r>
+            <a:r>
+              <a:rPr lang="hu-HU" baseline="0" dirty="0" err="1" smtClean="0"/>
+              <a:t>ek</a:t>
+            </a:r>
+            <a:r>
+              <a:rPr lang="hu-HU" baseline="0" dirty="0" smtClean="0"/>
+              <a:t> vezérlésénél majd részletezem)</a:t>
+            </a:r>
+            <a:endParaRPr lang="hu-HU" dirty="0"/>
+          </a:p>
+        </p:txBody>
+      </p:sp>
+      <p:sp>
+        <p:nvSpPr>
+          <p:cNvPr id="4" name="Dia számának helye 3"/>
+          <p:cNvSpPr>
+            <a:spLocks noGrp="1"/>
+          </p:cNvSpPr>
+          <p:nvPr>
+            <p:ph type="sldNum" sz="quarter" idx="10"/>
+          </p:nvPr>
+        </p:nvSpPr>
+        <p:spPr/>
+        <p:txBody>
+          <a:bodyPr/>
+          <a:lstStyle/>
+          <a:p>
+            <a:fld id="{4FD4484C-0A27-414D-B6C0-751BB263F891}" type="slidenum">
+              <a:rPr lang="hu-HU" smtClean="0"/>
+              <a:pPr/>
               <a:t>5</a:t>
+            </a:fld>
+            <a:endParaRPr lang="hu-HU"/>
+          </a:p>
+        </p:txBody>
+      </p:sp>
+    </p:spTree>
+  </p:cSld>
+  <p:clrMapOvr>
+    <a:masterClrMapping/>
+  </p:clrMapOvr>
+</p:notes>
+</file>
+
+<file path=ppt/notesSlides/notesSlide5.xml><?xml version="1.0" encoding="utf-8"?>
+<p:notes xmlns:a="http://schemas.openxmlformats.org/drawingml/2006/main" xmlns:r="http://schemas.openxmlformats.org/officeDocument/2006/relationships" xmlns:p="http://schemas.openxmlformats.org/presentationml/2006/main">
+  <p:cSld>
+    <p:spTree>
+      <p:nvGrpSpPr>
+        <p:cNvPr id="1" name=""/>
+        <p:cNvGrpSpPr/>
+        <p:nvPr/>
+      </p:nvGrpSpPr>
+      <p:grpSpPr>
+        <a:xfrm>
+          <a:off x="0" y="0"/>
+          <a:ext cx="0" cy="0"/>
+          <a:chOff x="0" y="0"/>
+          <a:chExt cx="0" cy="0"/>
+        </a:xfrm>
+      </p:grpSpPr>
+      <p:sp>
+        <p:nvSpPr>
+          <p:cNvPr id="2" name="Diakép helye 1"/>
+          <p:cNvSpPr>
+            <a:spLocks noGrp="1" noRot="1" noChangeAspect="1"/>
+          </p:cNvSpPr>
+          <p:nvPr>
+            <p:ph type="sldImg"/>
+          </p:nvPr>
+        </p:nvSpPr>
+        <p:spPr/>
+      </p:sp>
+      <p:sp>
+        <p:nvSpPr>
+          <p:cNvPr id="3" name="Jegyzetek helye 2"/>
+          <p:cNvSpPr>
+            <a:spLocks noGrp="1"/>
+          </p:cNvSpPr>
+          <p:nvPr>
+            <p:ph type="body" idx="1"/>
+          </p:nvPr>
+        </p:nvSpPr>
+        <p:spPr/>
+        <p:txBody>
+          <a:bodyPr>
+            <a:normAutofit/>
+          </a:bodyPr>
+          <a:lstStyle/>
+          <a:p>
+            <a:r>
+              <a:rPr lang="hu-HU" dirty="0" smtClean="0"/>
+              <a:t>Audió</a:t>
+            </a:r>
+            <a:r>
+              <a:rPr lang="hu-HU" baseline="0" dirty="0" smtClean="0"/>
+              <a:t> jel beolvasásának folyamata.</a:t>
+            </a:r>
+          </a:p>
+          <a:p>
+            <a:endParaRPr lang="hu-HU" baseline="0" dirty="0" smtClean="0"/>
+          </a:p>
+          <a:p>
+            <a:r>
+              <a:rPr lang="hu-HU" baseline="0" dirty="0" smtClean="0"/>
+              <a:t>Analóg bemenő jel -&gt; ADC re van szükség hogy a mikrokontroller dolgozni tudjon vele.</a:t>
+            </a:r>
+          </a:p>
+          <a:p>
+            <a:endParaRPr lang="hu-HU" dirty="0" smtClean="0"/>
+          </a:p>
+          <a:p>
+            <a:r>
+              <a:rPr lang="hu-HU" dirty="0" smtClean="0"/>
+              <a:t>Kontroller saját modulja</a:t>
+            </a:r>
+          </a:p>
+          <a:p>
+            <a:endParaRPr lang="hu-HU" dirty="0" smtClean="0"/>
+          </a:p>
+          <a:p>
+            <a:r>
+              <a:rPr lang="hu-HU" dirty="0" smtClean="0"/>
+              <a:t>ADC tulajdonságainak ismertetése</a:t>
+            </a:r>
+          </a:p>
+          <a:p>
+            <a:endParaRPr lang="hu-HU" dirty="0" smtClean="0"/>
+          </a:p>
+          <a:p>
+            <a:r>
+              <a:rPr lang="hu-HU" dirty="0" smtClean="0"/>
+              <a:t>DMA használata, </a:t>
+            </a:r>
+            <a:r>
+              <a:rPr lang="hu-HU" dirty="0" err="1" smtClean="0"/>
+              <a:t>CubeMX</a:t>
+            </a:r>
+            <a:r>
+              <a:rPr lang="hu-HU" dirty="0" smtClean="0"/>
+              <a:t> támogatja, miért volt rá szükség stb...</a:t>
+            </a:r>
+            <a:endParaRPr lang="hu-HU" dirty="0"/>
+          </a:p>
+        </p:txBody>
+      </p:sp>
+      <p:sp>
+        <p:nvSpPr>
+          <p:cNvPr id="4" name="Dia számának helye 3"/>
+          <p:cNvSpPr>
+            <a:spLocks noGrp="1"/>
+          </p:cNvSpPr>
+          <p:nvPr>
+            <p:ph type="sldNum" sz="quarter" idx="10"/>
+          </p:nvPr>
+        </p:nvSpPr>
+        <p:spPr/>
+        <p:txBody>
+          <a:bodyPr/>
+          <a:lstStyle/>
+          <a:p>
+            <a:fld id="{4FD4484C-0A27-414D-B6C0-751BB263F891}" type="slidenum">
+              <a:rPr lang="hu-HU" smtClean="0"/>
+              <a:pPr/>
+              <a:t>6</a:t>
+            </a:fld>
+            <a:endParaRPr lang="hu-HU"/>
+          </a:p>
+        </p:txBody>
+      </p:sp>
+    </p:spTree>
+  </p:cSld>
+  <p:clrMapOvr>
+    <a:masterClrMapping/>
+  </p:clrMapOvr>
+</p:notes>
+</file>
+
+<file path=ppt/notesSlides/notesSlide6.xml><?xml version="1.0" encoding="utf-8"?>
+<p:notes xmlns:a="http://schemas.openxmlformats.org/drawingml/2006/main" xmlns:r="http://schemas.openxmlformats.org/officeDocument/2006/relationships" xmlns:p="http://schemas.openxmlformats.org/presentationml/2006/main">
+  <p:cSld>
+    <p:spTree>
+      <p:nvGrpSpPr>
+        <p:cNvPr id="1" name=""/>
+        <p:cNvGrpSpPr/>
+        <p:nvPr/>
+      </p:nvGrpSpPr>
+      <p:grpSpPr>
+        <a:xfrm>
+          <a:off x="0" y="0"/>
+          <a:ext cx="0" cy="0"/>
+          <a:chOff x="0" y="0"/>
+          <a:chExt cx="0" cy="0"/>
+        </a:xfrm>
+      </p:grpSpPr>
+      <p:sp>
+        <p:nvSpPr>
+          <p:cNvPr id="2" name="Diakép helye 1"/>
+          <p:cNvSpPr>
+            <a:spLocks noGrp="1" noRot="1" noChangeAspect="1"/>
+          </p:cNvSpPr>
+          <p:nvPr>
+            <p:ph type="sldImg"/>
+          </p:nvPr>
+        </p:nvSpPr>
+        <p:spPr/>
+      </p:sp>
+      <p:sp>
+        <p:nvSpPr>
+          <p:cNvPr id="3" name="Jegyzetek helye 2"/>
+          <p:cNvSpPr>
+            <a:spLocks noGrp="1"/>
+          </p:cNvSpPr>
+          <p:nvPr>
+            <p:ph type="body" idx="1"/>
+          </p:nvPr>
+        </p:nvSpPr>
+        <p:spPr/>
+        <p:txBody>
+          <a:bodyPr>
+            <a:normAutofit/>
+          </a:bodyPr>
+          <a:lstStyle/>
+          <a:p>
+            <a:r>
+              <a:rPr lang="hu-HU" dirty="0" smtClean="0"/>
+              <a:t>Beolvasott jelek feldolgozása.</a:t>
+            </a:r>
+          </a:p>
+          <a:p>
+            <a:endParaRPr lang="hu-HU" dirty="0" smtClean="0"/>
+          </a:p>
+          <a:p>
+            <a:r>
+              <a:rPr lang="hu-HU" dirty="0" smtClean="0"/>
+              <a:t>Időtartománybeli a beolvasott jel -&gt; látványos megjelenítéshez frekvenciatartomány jobb  mert nem csak a hangerőre villognak hanem a hang alkotóelemeinek megfelelően</a:t>
+            </a:r>
+          </a:p>
+          <a:p>
+            <a:endParaRPr lang="hu-HU" dirty="0" smtClean="0"/>
+          </a:p>
+          <a:p>
+            <a:r>
+              <a:rPr lang="hu-HU" dirty="0" smtClean="0"/>
+              <a:t>Ehhez FFT</a:t>
+            </a:r>
+            <a:r>
+              <a:rPr lang="hu-HU" baseline="0" dirty="0" smtClean="0"/>
+              <a:t> </a:t>
+            </a:r>
+            <a:r>
+              <a:rPr lang="hu-HU" baseline="0" dirty="0" err="1" smtClean="0"/>
+              <a:t>algortmus</a:t>
+            </a:r>
+            <a:endParaRPr lang="hu-HU" baseline="0" dirty="0" smtClean="0"/>
+          </a:p>
+          <a:p>
+            <a:endParaRPr lang="hu-HU" baseline="0" dirty="0" smtClean="0"/>
+          </a:p>
+          <a:p>
+            <a:r>
+              <a:rPr lang="hu-HU" baseline="0" dirty="0" smtClean="0"/>
+              <a:t>Saját megvalósítás helyett CMSIS (Kontroller </a:t>
+            </a:r>
+            <a:r>
+              <a:rPr lang="hu-HU" baseline="0" dirty="0" err="1" smtClean="0"/>
+              <a:t>tipusának</a:t>
+            </a:r>
+            <a:r>
+              <a:rPr lang="hu-HU" baseline="0" dirty="0" smtClean="0"/>
+              <a:t> köszönhetően lehet)</a:t>
+            </a:r>
+          </a:p>
+          <a:p>
+            <a:endParaRPr lang="hu-HU" dirty="0"/>
+          </a:p>
+        </p:txBody>
+      </p:sp>
+      <p:sp>
+        <p:nvSpPr>
+          <p:cNvPr id="4" name="Dia számának helye 3"/>
+          <p:cNvSpPr>
+            <a:spLocks noGrp="1"/>
+          </p:cNvSpPr>
+          <p:nvPr>
+            <p:ph type="sldNum" sz="quarter" idx="10"/>
+          </p:nvPr>
+        </p:nvSpPr>
+        <p:spPr/>
+        <p:txBody>
+          <a:bodyPr/>
+          <a:lstStyle/>
+          <a:p>
+            <a:fld id="{4FD4484C-0A27-414D-B6C0-751BB263F891}" type="slidenum">
+              <a:rPr lang="hu-HU" smtClean="0"/>
+              <a:pPr/>
+              <a:t>7</a:t>
+            </a:fld>
+            <a:endParaRPr lang="hu-HU"/>
+          </a:p>
+        </p:txBody>
+      </p:sp>
+    </p:spTree>
+  </p:cSld>
+  <p:clrMapOvr>
+    <a:masterClrMapping/>
+  </p:clrMapOvr>
+</p:notes>
+</file>
+
+<file path=ppt/notesSlides/notesSlide7.xml><?xml version="1.0" encoding="utf-8"?>
+<p:notes xmlns:a="http://schemas.openxmlformats.org/drawingml/2006/main" xmlns:r="http://schemas.openxmlformats.org/officeDocument/2006/relationships" xmlns:p="http://schemas.openxmlformats.org/presentationml/2006/main">
+  <p:cSld>
+    <p:spTree>
+      <p:nvGrpSpPr>
+        <p:cNvPr id="1" name=""/>
+        <p:cNvGrpSpPr/>
+        <p:nvPr/>
+      </p:nvGrpSpPr>
+      <p:grpSpPr>
+        <a:xfrm>
+          <a:off x="0" y="0"/>
+          <a:ext cx="0" cy="0"/>
+          <a:chOff x="0" y="0"/>
+          <a:chExt cx="0" cy="0"/>
+        </a:xfrm>
+      </p:grpSpPr>
+      <p:sp>
+        <p:nvSpPr>
+          <p:cNvPr id="2" name="Diakép helye 1"/>
+          <p:cNvSpPr>
+            <a:spLocks noGrp="1" noRot="1" noChangeAspect="1"/>
+          </p:cNvSpPr>
+          <p:nvPr>
+            <p:ph type="sldImg"/>
+          </p:nvPr>
+        </p:nvSpPr>
+        <p:spPr/>
+      </p:sp>
+      <p:sp>
+        <p:nvSpPr>
+          <p:cNvPr id="3" name="Jegyzetek helye 2"/>
+          <p:cNvSpPr>
+            <a:spLocks noGrp="1"/>
+          </p:cNvSpPr>
+          <p:nvPr>
+            <p:ph type="body" idx="1"/>
+          </p:nvPr>
+        </p:nvSpPr>
+        <p:spPr/>
+        <p:txBody>
+          <a:bodyPr>
+            <a:normAutofit/>
+          </a:bodyPr>
+          <a:lstStyle/>
+          <a:p>
+            <a:r>
+              <a:rPr lang="hu-HU" dirty="0" smtClean="0"/>
+              <a:t>LED </a:t>
+            </a:r>
+            <a:r>
+              <a:rPr lang="hu-HU" dirty="0" err="1" smtClean="0"/>
+              <a:t>ek</a:t>
+            </a:r>
+            <a:r>
+              <a:rPr lang="hu-HU" dirty="0" smtClean="0"/>
+              <a:t> ismertetése és a vezérlésükhöz szükséges jel ismertetése (alsó ábrán magyarázva)</a:t>
+            </a:r>
+          </a:p>
+          <a:p>
+            <a:endParaRPr lang="hu-HU" dirty="0" smtClean="0"/>
+          </a:p>
+          <a:p>
+            <a:r>
+              <a:rPr lang="hu-HU" dirty="0" smtClean="0"/>
+              <a:t>A jel előállítása </a:t>
+            </a:r>
+            <a:r>
+              <a:rPr lang="hu-HU" dirty="0" err="1" smtClean="0"/>
+              <a:t>SPI-al</a:t>
+            </a:r>
+            <a:r>
+              <a:rPr lang="hu-HU" dirty="0" smtClean="0"/>
+              <a:t>  (oldalsó ábrán magyarázva)</a:t>
+            </a:r>
+          </a:p>
+          <a:p>
+            <a:r>
+              <a:rPr lang="hu-HU" dirty="0" smtClean="0"/>
+              <a:t>SPI felbontása</a:t>
+            </a:r>
+          </a:p>
+          <a:p>
+            <a:r>
+              <a:rPr lang="hu-HU" dirty="0" smtClean="0"/>
+              <a:t>Sebességének kiszámítása</a:t>
+            </a:r>
+          </a:p>
+          <a:p>
+            <a:endParaRPr lang="hu-HU" dirty="0" smtClean="0"/>
+          </a:p>
+          <a:p>
+            <a:r>
+              <a:rPr lang="hu-HU" dirty="0" smtClean="0"/>
+              <a:t>Mivel a </a:t>
+            </a:r>
+            <a:r>
+              <a:rPr lang="hu-HU" dirty="0" err="1" smtClean="0"/>
+              <a:t>LED-ek</a:t>
+            </a:r>
+            <a:r>
+              <a:rPr lang="hu-HU" dirty="0" smtClean="0"/>
+              <a:t> 800Kbit/másodperces sebességű adatot várnak</a:t>
+            </a:r>
+          </a:p>
+          <a:p>
+            <a:r>
+              <a:rPr lang="hu-HU" dirty="0" smtClean="0"/>
+              <a:t>16 bites SPI </a:t>
+            </a:r>
+            <a:r>
+              <a:rPr lang="hu-HU" dirty="0" err="1" smtClean="0"/>
+              <a:t>üzenetnekkell</a:t>
+            </a:r>
+            <a:r>
+              <a:rPr lang="hu-HU" dirty="0" smtClean="0"/>
+              <a:t> ezzel a sebességgel érkezniük.</a:t>
+            </a:r>
+          </a:p>
+          <a:p>
+            <a:r>
+              <a:rPr lang="hu-HU" dirty="0" smtClean="0"/>
+              <a:t>tényleges adatküldés sebességének 800Kbit/másodperc 16 szorosának, azaz 12.8 </a:t>
+            </a:r>
+            <a:r>
+              <a:rPr lang="hu-HU" dirty="0" err="1" smtClean="0"/>
+              <a:t>Mbit</a:t>
+            </a:r>
+            <a:r>
+              <a:rPr lang="hu-HU" dirty="0" smtClean="0"/>
+              <a:t>/másodpercnek kell lennie</a:t>
+            </a:r>
+            <a:endParaRPr lang="hu-HU" dirty="0"/>
+          </a:p>
+        </p:txBody>
+      </p:sp>
+      <p:sp>
+        <p:nvSpPr>
+          <p:cNvPr id="4" name="Dia számának helye 3"/>
+          <p:cNvSpPr>
+            <a:spLocks noGrp="1"/>
+          </p:cNvSpPr>
+          <p:nvPr>
+            <p:ph type="sldNum" sz="quarter" idx="10"/>
+          </p:nvPr>
+        </p:nvSpPr>
+        <p:spPr/>
+        <p:txBody>
+          <a:bodyPr/>
+          <a:lstStyle/>
+          <a:p>
+            <a:fld id="{4FD4484C-0A27-414D-B6C0-751BB263F891}" type="slidenum">
+              <a:rPr lang="hu-HU" smtClean="0"/>
+              <a:pPr/>
+              <a:t>8</a:t>
+            </a:fld>
+            <a:endParaRPr lang="hu-HU"/>
+          </a:p>
+        </p:txBody>
+      </p:sp>
+    </p:spTree>
+  </p:cSld>
+  <p:clrMapOvr>
+    <a:masterClrMapping/>
+  </p:clrMapOvr>
+</p:notes>
+</file>
+
+<file path=ppt/notesSlides/notesSlide8.xml><?xml version="1.0" encoding="utf-8"?>
+<p:notes xmlns:a="http://schemas.openxmlformats.org/drawingml/2006/main" xmlns:r="http://schemas.openxmlformats.org/officeDocument/2006/relationships" xmlns:p="http://schemas.openxmlformats.org/presentationml/2006/main">
+  <p:cSld>
+    <p:spTree>
+      <p:nvGrpSpPr>
+        <p:cNvPr id="1" name=""/>
+        <p:cNvGrpSpPr/>
+        <p:nvPr/>
+      </p:nvGrpSpPr>
+      <p:grpSpPr>
+        <a:xfrm>
+          <a:off x="0" y="0"/>
+          <a:ext cx="0" cy="0"/>
+          <a:chOff x="0" y="0"/>
+          <a:chExt cx="0" cy="0"/>
+        </a:xfrm>
+      </p:grpSpPr>
+      <p:sp>
+        <p:nvSpPr>
+          <p:cNvPr id="2" name="Diakép helye 1"/>
+          <p:cNvSpPr>
+            <a:spLocks noGrp="1" noRot="1" noChangeAspect="1"/>
+          </p:cNvSpPr>
+          <p:nvPr>
+            <p:ph type="sldImg"/>
+          </p:nvPr>
+        </p:nvSpPr>
+        <p:spPr/>
+      </p:sp>
+      <p:sp>
+        <p:nvSpPr>
+          <p:cNvPr id="3" name="Jegyzetek helye 2"/>
+          <p:cNvSpPr>
+            <a:spLocks noGrp="1"/>
+          </p:cNvSpPr>
+          <p:nvPr>
+            <p:ph type="body" idx="1"/>
+          </p:nvPr>
+        </p:nvSpPr>
+        <p:spPr/>
+        <p:txBody>
+          <a:bodyPr>
+            <a:normAutofit/>
+          </a:bodyPr>
+          <a:lstStyle/>
+          <a:p>
+            <a:endParaRPr lang="hu-HU" dirty="0"/>
+          </a:p>
+        </p:txBody>
+      </p:sp>
+      <p:sp>
+        <p:nvSpPr>
+          <p:cNvPr id="4" name="Dia számának helye 3"/>
+          <p:cNvSpPr>
+            <a:spLocks noGrp="1"/>
+          </p:cNvSpPr>
+          <p:nvPr>
+            <p:ph type="sldNum" sz="quarter" idx="10"/>
+          </p:nvPr>
+        </p:nvSpPr>
+        <p:spPr/>
+        <p:txBody>
+          <a:bodyPr/>
+          <a:lstStyle/>
+          <a:p>
+            <a:fld id="{4FD4484C-0A27-414D-B6C0-751BB263F891}" type="slidenum">
+              <a:rPr lang="hu-HU" smtClean="0"/>
+              <a:pPr/>
+              <a:t>9</a:t>
+            </a:fld>
+            <a:endParaRPr lang="hu-HU"/>
+          </a:p>
+        </p:txBody>
+      </p:sp>
+    </p:spTree>
+  </p:cSld>
+  <p:clrMapOvr>
+    <a:masterClrMapping/>
+  </p:clrMapOvr>
+</p:notes>
+</file>
+
+<file path=ppt/notesSlides/notesSlide9.xml><?xml version="1.0" encoding="utf-8"?>
+<p:notes xmlns:a="http://schemas.openxmlformats.org/drawingml/2006/main" xmlns:r="http://schemas.openxmlformats.org/officeDocument/2006/relationships" xmlns:p="http://schemas.openxmlformats.org/presentationml/2006/main">
+  <p:cSld>
+    <p:spTree>
+      <p:nvGrpSpPr>
+        <p:cNvPr id="1" name=""/>
+        <p:cNvGrpSpPr/>
+        <p:nvPr/>
+      </p:nvGrpSpPr>
+      <p:grpSpPr>
+        <a:xfrm>
+          <a:off x="0" y="0"/>
+          <a:ext cx="0" cy="0"/>
+          <a:chOff x="0" y="0"/>
+          <a:chExt cx="0" cy="0"/>
+        </a:xfrm>
+      </p:grpSpPr>
+      <p:sp>
+        <p:nvSpPr>
+          <p:cNvPr id="2" name="Diakép helye 1"/>
+          <p:cNvSpPr>
+            <a:spLocks noGrp="1" noRot="1" noChangeAspect="1"/>
+          </p:cNvSpPr>
+          <p:nvPr>
+            <p:ph type="sldImg"/>
+          </p:nvPr>
+        </p:nvSpPr>
+        <p:spPr/>
+      </p:sp>
+      <p:sp>
+        <p:nvSpPr>
+          <p:cNvPr id="3" name="Jegyzetek helye 2"/>
+          <p:cNvSpPr>
+            <a:spLocks noGrp="1"/>
+          </p:cNvSpPr>
+          <p:nvPr>
+            <p:ph type="body" idx="1"/>
+          </p:nvPr>
+        </p:nvSpPr>
+        <p:spPr/>
+        <p:txBody>
+          <a:bodyPr>
+            <a:normAutofit/>
+          </a:bodyPr>
+          <a:lstStyle/>
+          <a:p>
+            <a:r>
+              <a:rPr lang="hu-HU" dirty="0" err="1" smtClean="0"/>
+              <a:t>Kb</a:t>
+            </a:r>
+            <a:r>
+              <a:rPr lang="hu-HU" dirty="0" smtClean="0"/>
+              <a:t> </a:t>
+            </a:r>
+            <a:r>
+              <a:rPr lang="hu-HU" dirty="0" err="1" smtClean="0"/>
+              <a:t>szakdoga</a:t>
+            </a:r>
+            <a:r>
+              <a:rPr lang="hu-HU" dirty="0" smtClean="0"/>
+              <a:t> utolsó fejezete</a:t>
+            </a:r>
+            <a:r>
+              <a:rPr lang="hu-HU" baseline="0" dirty="0" smtClean="0"/>
+              <a:t> tömörítve</a:t>
+            </a:r>
+            <a:endParaRPr lang="hu-HU" dirty="0"/>
+          </a:p>
+        </p:txBody>
+      </p:sp>
+      <p:sp>
+        <p:nvSpPr>
+          <p:cNvPr id="4" name="Dia számának helye 3"/>
+          <p:cNvSpPr>
+            <a:spLocks noGrp="1"/>
+          </p:cNvSpPr>
+          <p:nvPr>
+            <p:ph type="sldNum" sz="quarter" idx="10"/>
+          </p:nvPr>
+        </p:nvSpPr>
+        <p:spPr/>
+        <p:txBody>
+          <a:bodyPr/>
+          <a:lstStyle/>
+          <a:p>
+            <a:fld id="{4FD4484C-0A27-414D-B6C0-751BB263F891}" type="slidenum">
+              <a:rPr lang="hu-HU" smtClean="0"/>
+              <a:pPr/>
+              <a:t>10</a:t>
             </a:fld>
             <a:endParaRPr lang="hu-HU"/>
           </a:p>
@@ -4915,7 +6822,7 @@
             <a:fld id="{48A87A34-81AB-432B-8DAE-1953F412C126}" type="datetimeFigureOut">
               <a:rPr lang="en-US" dirty="0"/>
               <a:pPr/>
-              <a:t>1/9/2018</a:t>
+              <a:t>1/10/2018</a:t>
             </a:fld>
             <a:endParaRPr lang="en-US" dirty="0"/>
           </a:p>
@@ -5179,7 +7086,7 @@
             <a:fld id="{48A87A34-81AB-432B-8DAE-1953F412C126}" type="datetimeFigureOut">
               <a:rPr lang="en-US" dirty="0"/>
               <a:pPr/>
-              <a:t>1/9/2018</a:t>
+              <a:t>1/10/2018</a:t>
             </a:fld>
             <a:endParaRPr lang="en-US" dirty="0"/>
           </a:p>
@@ -5372,7 +7279,7 @@
             <a:fld id="{48A87A34-81AB-432B-8DAE-1953F412C126}" type="datetimeFigureOut">
               <a:rPr lang="en-US" dirty="0"/>
               <a:pPr/>
-              <a:t>1/9/2018</a:t>
+              <a:t>1/10/2018</a:t>
             </a:fld>
             <a:endParaRPr lang="en-US" dirty="0"/>
           </a:p>
@@ -5632,7 +7539,7 @@
             <a:fld id="{48A87A34-81AB-432B-8DAE-1953F412C126}" type="datetimeFigureOut">
               <a:rPr lang="en-US" dirty="0"/>
               <a:pPr/>
-              <a:t>1/9/2018</a:t>
+              <a:t>1/10/2018</a:t>
             </a:fld>
             <a:endParaRPr lang="en-US" dirty="0"/>
           </a:p>
@@ -6063,7 +7970,7 @@
             <a:fld id="{48A87A34-81AB-432B-8DAE-1953F412C126}" type="datetimeFigureOut">
               <a:rPr lang="en-US" dirty="0"/>
               <a:pPr/>
-              <a:t>1/9/2018</a:t>
+              <a:t>1/10/2018</a:t>
             </a:fld>
             <a:endParaRPr lang="en-US" dirty="0"/>
           </a:p>
@@ -6606,7 +8513,7 @@
             <a:fld id="{48A87A34-81AB-432B-8DAE-1953F412C126}" type="datetimeFigureOut">
               <a:rPr lang="en-US" dirty="0"/>
               <a:pPr/>
-              <a:t>1/9/2018</a:t>
+              <a:t>1/10/2018</a:t>
             </a:fld>
             <a:endParaRPr lang="en-US" dirty="0"/>
           </a:p>
@@ -7323,7 +9230,7 @@
             <a:fld id="{48A87A34-81AB-432B-8DAE-1953F412C126}" type="datetimeFigureOut">
               <a:rPr lang="en-US" dirty="0"/>
               <a:pPr/>
-              <a:t>1/9/2018</a:t>
+              <a:t>1/10/2018</a:t>
             </a:fld>
             <a:endParaRPr lang="en-US" dirty="0"/>
           </a:p>
@@ -7490,7 +9397,7 @@
             <a:fld id="{48A87A34-81AB-432B-8DAE-1953F412C126}" type="datetimeFigureOut">
               <a:rPr lang="en-US" dirty="0"/>
               <a:pPr/>
-              <a:t>1/9/2018</a:t>
+              <a:t>1/10/2018</a:t>
             </a:fld>
             <a:endParaRPr lang="en-US" dirty="0"/>
           </a:p>
@@ -7667,7 +9574,7 @@
             <a:fld id="{48A87A34-81AB-432B-8DAE-1953F412C126}" type="datetimeFigureOut">
               <a:rPr lang="en-US" dirty="0"/>
               <a:pPr/>
-              <a:t>1/9/2018</a:t>
+              <a:t>1/10/2018</a:t>
             </a:fld>
             <a:endParaRPr lang="en-US" dirty="0"/>
           </a:p>
@@ -7834,7 +9741,7 @@
             <a:fld id="{48A87A34-81AB-432B-8DAE-1953F412C126}" type="datetimeFigureOut">
               <a:rPr lang="en-US" dirty="0"/>
               <a:pPr/>
-              <a:t>1/9/2018</a:t>
+              <a:t>1/10/2018</a:t>
             </a:fld>
             <a:endParaRPr lang="en-US" dirty="0"/>
           </a:p>
@@ -8081,7 +9988,7 @@
             <a:fld id="{48A87A34-81AB-432B-8DAE-1953F412C126}" type="datetimeFigureOut">
               <a:rPr lang="en-US" dirty="0"/>
               <a:pPr/>
-              <a:t>1/9/2018</a:t>
+              <a:t>1/10/2018</a:t>
             </a:fld>
             <a:endParaRPr lang="en-US" dirty="0"/>
           </a:p>
@@ -8310,7 +10217,7 @@
             <a:fld id="{48A87A34-81AB-432B-8DAE-1953F412C126}" type="datetimeFigureOut">
               <a:rPr lang="en-US" dirty="0"/>
               <a:pPr/>
-              <a:t>1/9/2018</a:t>
+              <a:t>1/10/2018</a:t>
             </a:fld>
             <a:endParaRPr lang="en-US" dirty="0"/>
           </a:p>
@@ -8688,7 +10595,7 @@
             <a:fld id="{48A87A34-81AB-432B-8DAE-1953F412C126}" type="datetimeFigureOut">
               <a:rPr lang="en-US" dirty="0"/>
               <a:pPr/>
-              <a:t>1/9/2018</a:t>
+              <a:t>1/10/2018</a:t>
             </a:fld>
             <a:endParaRPr lang="en-US" dirty="0"/>
           </a:p>
@@ -8803,7 +10710,7 @@
             <a:fld id="{48A87A34-81AB-432B-8DAE-1953F412C126}" type="datetimeFigureOut">
               <a:rPr lang="en-US" dirty="0"/>
               <a:pPr/>
-              <a:t>1/9/2018</a:t>
+              <a:t>1/10/2018</a:t>
             </a:fld>
             <a:endParaRPr lang="en-US" dirty="0"/>
           </a:p>
@@ -8895,7 +10802,7 @@
             <a:fld id="{48A87A34-81AB-432B-8DAE-1953F412C126}" type="datetimeFigureOut">
               <a:rPr lang="en-US" dirty="0"/>
               <a:pPr/>
-              <a:t>1/9/2018</a:t>
+              <a:t>1/10/2018</a:t>
             </a:fld>
             <a:endParaRPr lang="en-US" dirty="0"/>
           </a:p>
@@ -9141,7 +11048,7 @@
             <a:fld id="{48A87A34-81AB-432B-8DAE-1953F412C126}" type="datetimeFigureOut">
               <a:rPr lang="en-US" dirty="0"/>
               <a:pPr/>
-              <a:t>1/9/2018</a:t>
+              <a:t>1/10/2018</a:t>
             </a:fld>
             <a:endParaRPr lang="en-US" dirty="0"/>
           </a:p>
@@ -9418,7 +11325,7 @@
             <a:fld id="{48A87A34-81AB-432B-8DAE-1953F412C126}" type="datetimeFigureOut">
               <a:rPr lang="en-US" dirty="0"/>
               <a:pPr/>
-              <a:t>1/9/2018</a:t>
+              <a:t>1/10/2018</a:t>
             </a:fld>
             <a:endParaRPr lang="en-US" dirty="0"/>
           </a:p>
@@ -12492,7 +14399,7 @@
             <a:fld id="{48A87A34-81AB-432B-8DAE-1953F412C126}" type="datetimeFigureOut">
               <a:rPr lang="en-US" dirty="0"/>
               <a:pPr/>
-              <a:t>1/9/2018</a:t>
+              <a:t>1/10/2018</a:t>
             </a:fld>
             <a:endParaRPr lang="en-US" dirty="0"/>
           </a:p>
@@ -12962,7 +14869,7 @@
             </a:r>
             <a:r>
               <a:rPr lang="hu-HU" sz="2400" dirty="0" smtClean="0"/>
-              <a:t>beszámoló</a:t>
+              <a:t>Védés</a:t>
             </a:r>
             <a:endParaRPr lang="en-US" dirty="0"/>
           </a:p>
@@ -13075,21 +14982,8 @@
                   <a:schemeClr val="tx2"/>
                 </a:solidFill>
               </a:rPr>
-              <a:t> : Dr. Györke </a:t>
-            </a:r>
-            <a:r>
-              <a:rPr lang="hu-HU" cap="all" dirty="0" err="1" smtClean="0">
-                <a:solidFill>
-                  <a:schemeClr val="tx2"/>
-                </a:solidFill>
-              </a:rPr>
-              <a:t>péter</a:t>
-            </a:r>
-            <a:endParaRPr lang="hu-HU" cap="all" dirty="0" smtClean="0">
-              <a:solidFill>
-                <a:schemeClr val="tx2"/>
-              </a:solidFill>
-            </a:endParaRPr>
+              <a:t> : Dr. Györke Péter</a:t>
+            </a:r>
           </a:p>
           <a:p>
             <a:pPr marL="0" marR="0" lvl="0" indent="0" defTabSz="914400" rtl="0" eaLnBrk="1" fontAlgn="auto" latinLnBrk="0" hangingPunct="1">
@@ -13226,8 +15120,46 @@
           <a:p>
             <a:r>
               <a:rPr lang="hu-HU" dirty="0" smtClean="0"/>
-              <a:t>Bővítési lehetőségek:</a:t>
-            </a:r>
+              <a:t>Bővítési lehetőségek</a:t>
+            </a:r>
+            <a:r>
+              <a:rPr lang="hu-HU" dirty="0" smtClean="0"/>
+              <a:t>:</a:t>
+            </a:r>
+          </a:p>
+          <a:p>
+            <a:pPr lvl="1"/>
+            <a:r>
+              <a:rPr lang="hu-HU" dirty="0" smtClean="0"/>
+              <a:t>M</a:t>
+            </a:r>
+            <a:r>
+              <a:rPr lang="hu-HU" dirty="0" smtClean="0"/>
+              <a:t>oduláris kijelző, mely mérete a konfigurációs programban beállítható.</a:t>
+            </a:r>
+          </a:p>
+          <a:p>
+            <a:pPr lvl="1"/>
+            <a:r>
+              <a:rPr lang="hu-HU" dirty="0" smtClean="0"/>
+              <a:t>Több séma (esetleg nem csak előre definiált hanem a </a:t>
+            </a:r>
+            <a:r>
+              <a:rPr lang="hu-HU" dirty="0" err="1" smtClean="0"/>
+              <a:t>konfigurátorban</a:t>
+            </a:r>
+            <a:r>
+              <a:rPr lang="hu-HU" dirty="0" smtClean="0"/>
+              <a:t> készíthető új)</a:t>
+            </a:r>
+          </a:p>
+          <a:p>
+            <a:pPr lvl="1"/>
+            <a:r>
+              <a:rPr lang="hu-HU" dirty="0" smtClean="0"/>
+              <a:t>Mikrofonos működés</a:t>
+            </a:r>
+            <a:endParaRPr lang="hu-HU" dirty="0" smtClean="0"/>
           </a:p>
           <a:p>
             <a:pPr lvl="1"/>
@@ -13240,6 +15172,13 @@
   <p:clrMapOvr>
     <a:masterClrMapping/>
   </p:clrMapOvr>
+  <p:timing>
+    <p:tnLst>
+      <p:par>
+        <p:cTn id="1" dur="indefinite" restart="never" nodeType="tmRoot"/>
+      </p:par>
+    </p:tnLst>
+  </p:timing>
 </p:sld>
 </file>
 
@@ -13296,6 +15235,13 @@
   <p:clrMapOvr>
     <a:masterClrMapping/>
   </p:clrMapOvr>
+  <p:timing>
+    <p:tnLst>
+      <p:par>
+        <p:cTn id="1" dur="indefinite" restart="never" nodeType="tmRoot"/>
+      </p:par>
+    </p:tnLst>
+  </p:timing>
 </p:sld>
 </file>
 
@@ -13351,10 +15297,101 @@
         </p:nvSpPr>
         <p:spPr/>
         <p:txBody>
-          <a:bodyPr/>
+          <a:bodyPr>
+            <a:normAutofit/>
+          </a:bodyPr>
           <a:lstStyle/>
           <a:p>
-            <a:endParaRPr lang="hu-HU"/>
+            <a:r>
+              <a:rPr lang="hu-HU" sz="1800" dirty="0" smtClean="0"/>
+              <a:t>„Az </a:t>
+            </a:r>
+            <a:r>
+              <a:rPr lang="hu-HU" sz="1800" dirty="0" smtClean="0"/>
+              <a:t>audió jel mintavételezéséhez </a:t>
+            </a:r>
+            <a:r>
+              <a:rPr lang="hu-HU" sz="1800" dirty="0" smtClean="0"/>
+              <a:t>legalább 40 </a:t>
+            </a:r>
+            <a:r>
+              <a:rPr lang="hu-HU" sz="1800" dirty="0" smtClean="0"/>
+              <a:t>kHz-es frekvenciával kell mintavételezni, majd átalakítani az analóg </a:t>
+            </a:r>
+            <a:r>
+              <a:rPr lang="hu-HU" sz="1800" dirty="0" smtClean="0"/>
+              <a:t>jelet. Tipikusan </a:t>
+            </a:r>
+            <a:r>
+              <a:rPr lang="hu-HU" sz="1800" dirty="0" smtClean="0"/>
+              <a:t>egy ilyen átalakítás 15-20 órajel ideig tart. Ezek alapján </a:t>
+            </a:r>
+            <a:r>
+              <a:rPr lang="hu-HU" sz="1800" dirty="0" smtClean="0"/>
+              <a:t>a mikrokontrollernek </a:t>
+            </a:r>
+            <a:r>
+              <a:rPr lang="hu-HU" sz="1800" dirty="0" smtClean="0"/>
+              <a:t>legalább 60-70 MHz-es órajelen kell tudnia működni”. A </a:t>
+            </a:r>
+            <a:r>
+              <a:rPr lang="hu-HU" sz="1800" dirty="0" err="1" smtClean="0"/>
+              <a:t>fentiadatokból</a:t>
+            </a:r>
+            <a:r>
+              <a:rPr lang="hu-HU" sz="1800" dirty="0" smtClean="0"/>
+              <a:t> </a:t>
+            </a:r>
+            <a:r>
+              <a:rPr lang="hu-HU" sz="1800" dirty="0" smtClean="0"/>
+              <a:t>miként kapta meg ezt az órajel frekvenciát</a:t>
+            </a:r>
+            <a:r>
+              <a:rPr lang="hu-HU" sz="1800" dirty="0" smtClean="0"/>
+              <a:t>?</a:t>
+            </a:r>
+          </a:p>
+          <a:p>
+            <a:r>
+              <a:rPr lang="hu-HU" dirty="0" smtClean="0"/>
+              <a:t>Válasz:  </a:t>
+            </a:r>
+          </a:p>
+          <a:p>
+            <a:pPr lvl="1">
+              <a:buNone/>
+            </a:pPr>
+            <a:r>
+              <a:rPr lang="hu-HU" sz="1800" dirty="0" smtClean="0"/>
+              <a:t>Az értékek összeszorzásával.</a:t>
+            </a:r>
+          </a:p>
+          <a:p>
+            <a:pPr lvl="1">
+              <a:buNone/>
+            </a:pPr>
+            <a:r>
+              <a:rPr lang="hu-HU" sz="1800" dirty="0" smtClean="0"/>
+              <a:t>Ha másodpercenként 40 000 mintára van szükség és egy minta beolvasása 15 órajel,</a:t>
+            </a:r>
+          </a:p>
+          <a:p>
+            <a:pPr lvl="1">
+              <a:buNone/>
+            </a:pPr>
+            <a:r>
+              <a:rPr lang="hu-HU" sz="1800" dirty="0" smtClean="0"/>
+              <a:t>akkor 40 000 * 15 = 600 000 órajelre van szükség másodpercenként. </a:t>
+            </a:r>
+          </a:p>
+          <a:p>
+            <a:pPr lvl="1">
+              <a:buNone/>
+            </a:pPr>
+            <a:r>
+              <a:rPr lang="hu-HU" sz="1800" dirty="0" smtClean="0"/>
+              <a:t>A felső érték meghatározása ugyanígy történhet.</a:t>
+            </a:r>
           </a:p>
         </p:txBody>
       </p:sp>
@@ -13363,6 +15400,712 @@
   <p:clrMapOvr>
     <a:masterClrMapping/>
   </p:clrMapOvr>
+  <p:timing>
+    <p:tnLst>
+      <p:par>
+        <p:cTn id="1" dur="indefinite" restart="never" nodeType="tmRoot"/>
+      </p:par>
+    </p:tnLst>
+  </p:timing>
+</p:sld>
+</file>
+
+<file path=ppt/slides/slide13.xml><?xml version="1.0" encoding="utf-8"?>
+<p:sld xmlns:a="http://schemas.openxmlformats.org/drawingml/2006/main" xmlns:r="http://schemas.openxmlformats.org/officeDocument/2006/relationships" xmlns:p="http://schemas.openxmlformats.org/presentationml/2006/main">
+  <p:cSld>
+    <p:spTree>
+      <p:nvGrpSpPr>
+        <p:cNvPr id="1" name=""/>
+        <p:cNvGrpSpPr/>
+        <p:nvPr/>
+      </p:nvGrpSpPr>
+      <p:grpSpPr>
+        <a:xfrm>
+          <a:off x="0" y="0"/>
+          <a:ext cx="0" cy="0"/>
+          <a:chOff x="0" y="0"/>
+          <a:chExt cx="0" cy="0"/>
+        </a:xfrm>
+      </p:grpSpPr>
+      <p:sp>
+        <p:nvSpPr>
+          <p:cNvPr id="2" name="Cím 1"/>
+          <p:cNvSpPr>
+            <a:spLocks noGrp="1"/>
+          </p:cNvSpPr>
+          <p:nvPr>
+            <p:ph type="title"/>
+          </p:nvPr>
+        </p:nvSpPr>
+        <p:spPr/>
+        <p:txBody>
+          <a:bodyPr/>
+          <a:lstStyle/>
+          <a:p>
+            <a:r>
+              <a:rPr lang="hu-HU" dirty="0" smtClean="0"/>
+              <a:t>Kérdések</a:t>
+            </a:r>
+            <a:endParaRPr lang="hu-HU" dirty="0"/>
+          </a:p>
+        </p:txBody>
+      </p:sp>
+      <p:sp>
+        <p:nvSpPr>
+          <p:cNvPr id="3" name="Tartalom helye 2"/>
+          <p:cNvSpPr>
+            <a:spLocks noGrp="1"/>
+          </p:cNvSpPr>
+          <p:nvPr>
+            <p:ph idx="1"/>
+          </p:nvPr>
+        </p:nvSpPr>
+        <p:spPr>
+          <a:xfrm>
+            <a:off x="1179512" y="2249487"/>
+            <a:ext cx="9905999" cy="3541714"/>
+          </a:xfrm>
+        </p:spPr>
+        <p:txBody>
+          <a:bodyPr>
+            <a:normAutofit/>
+          </a:bodyPr>
+          <a:lstStyle/>
+          <a:p>
+            <a:r>
+              <a:rPr lang="hu-HU" sz="1800" dirty="0" smtClean="0"/>
+              <a:t>A 4.1.2. alfejezet szerint a 0-ás LED bit 0.35 </a:t>
+            </a:r>
+            <a:r>
+              <a:rPr lang="hu-HU" sz="1800" dirty="0" err="1" smtClean="0"/>
+              <a:t>us</a:t>
+            </a:r>
+            <a:r>
+              <a:rPr lang="hu-HU" sz="1800" dirty="0" smtClean="0"/>
+              <a:t> ideig magas, majd 0.8 </a:t>
+            </a:r>
+            <a:r>
+              <a:rPr lang="hu-HU" sz="1800" dirty="0" err="1" smtClean="0"/>
+              <a:t>us</a:t>
+            </a:r>
+            <a:r>
+              <a:rPr lang="hu-HU" sz="1800" dirty="0" smtClean="0"/>
+              <a:t> </a:t>
+            </a:r>
+            <a:r>
+              <a:rPr lang="hu-HU" sz="1800" dirty="0" smtClean="0"/>
+              <a:t>ideig alacsony</a:t>
+            </a:r>
+            <a:r>
+              <a:rPr lang="hu-HU" sz="1800" dirty="0" smtClean="0"/>
+              <a:t>, 1-es bit esetén ezek az értékek 0.7 </a:t>
+            </a:r>
+            <a:r>
+              <a:rPr lang="hu-HU" sz="1800" dirty="0" err="1" smtClean="0"/>
+              <a:t>us</a:t>
+            </a:r>
+            <a:r>
+              <a:rPr lang="hu-HU" sz="1800" dirty="0" smtClean="0"/>
+              <a:t>, illetve 0.6 </a:t>
+            </a:r>
+            <a:r>
+              <a:rPr lang="hu-HU" sz="1800" dirty="0" err="1" smtClean="0"/>
+              <a:t>us</a:t>
+            </a:r>
+            <a:r>
+              <a:rPr lang="hu-HU" sz="1800" dirty="0" smtClean="0"/>
+              <a:t>. A 4.2.2 </a:t>
+            </a:r>
+            <a:r>
+              <a:rPr lang="hu-HU" sz="1800" dirty="0" smtClean="0"/>
+              <a:t>alfejezet szerint viszont </a:t>
+            </a:r>
+            <a:r>
+              <a:rPr lang="hu-HU" sz="1800" dirty="0" smtClean="0"/>
+              <a:t>az SPI konfigurálásánál egységesen 16 bites csomagként reprezentálja a </a:t>
+            </a:r>
+            <a:r>
+              <a:rPr lang="hu-HU" sz="1800" dirty="0" smtClean="0"/>
+              <a:t>LED biteket</a:t>
+            </a:r>
+            <a:r>
+              <a:rPr lang="hu-HU" sz="1800" dirty="0" smtClean="0"/>
+              <a:t>. Nem kellene tehát időben is ugyanolyan hosszúaknak lenniük az 1-es és </a:t>
+            </a:r>
+            <a:r>
+              <a:rPr lang="hu-HU" sz="1800" dirty="0" smtClean="0"/>
+              <a:t>0-ás LED biteknek?</a:t>
+            </a:r>
+          </a:p>
+          <a:p>
+            <a:r>
+              <a:rPr lang="hu-HU" dirty="0" smtClean="0"/>
+              <a:t>Válasz:  </a:t>
+            </a:r>
+          </a:p>
+          <a:p>
+            <a:pPr lvl="1">
+              <a:buNone/>
+            </a:pPr>
+            <a:r>
+              <a:rPr lang="hu-HU" sz="1800" dirty="0" smtClean="0"/>
+              <a:t>A LED specifikációja megenged +/- 150 </a:t>
+            </a:r>
+            <a:r>
+              <a:rPr lang="hu-HU" sz="1800" dirty="0" err="1" smtClean="0"/>
+              <a:t>ns</a:t>
+            </a:r>
+            <a:r>
+              <a:rPr lang="hu-HU" sz="1800" dirty="0" smtClean="0"/>
+              <a:t> eltérést ezektől az értékektől. (mind az alacsony mind a magas jeltartománynál).</a:t>
+            </a:r>
+          </a:p>
+          <a:p>
+            <a:pPr lvl="1">
+              <a:buNone/>
+            </a:pPr>
+            <a:r>
+              <a:rPr lang="hu-HU" sz="1800" dirty="0" smtClean="0"/>
+              <a:t>A 16 bites felbontás mellett ez a tűréshatár minden esetben tartható, és sokat egyszerűsített a megvalósításon.</a:t>
+            </a:r>
+          </a:p>
+        </p:txBody>
+      </p:sp>
+    </p:spTree>
+  </p:cSld>
+  <p:clrMapOvr>
+    <a:masterClrMapping/>
+  </p:clrMapOvr>
+  <p:timing>
+    <p:tnLst>
+      <p:par>
+        <p:cTn id="1" dur="indefinite" restart="never" nodeType="tmRoot"/>
+      </p:par>
+    </p:tnLst>
+  </p:timing>
+</p:sld>
+</file>
+
+<file path=ppt/slides/slide14.xml><?xml version="1.0" encoding="utf-8"?>
+<p:sld xmlns:a="http://schemas.openxmlformats.org/drawingml/2006/main" xmlns:r="http://schemas.openxmlformats.org/officeDocument/2006/relationships" xmlns:p="http://schemas.openxmlformats.org/presentationml/2006/main">
+  <p:cSld>
+    <p:spTree>
+      <p:nvGrpSpPr>
+        <p:cNvPr id="1" name=""/>
+        <p:cNvGrpSpPr/>
+        <p:nvPr/>
+      </p:nvGrpSpPr>
+      <p:grpSpPr>
+        <a:xfrm>
+          <a:off x="0" y="0"/>
+          <a:ext cx="0" cy="0"/>
+          <a:chOff x="0" y="0"/>
+          <a:chExt cx="0" cy="0"/>
+        </a:xfrm>
+      </p:grpSpPr>
+      <p:pic>
+        <p:nvPicPr>
+          <p:cNvPr id="4098" name="Picture 2" descr="E:\Programozas\Github\BME-Onlab\Diploma\Pictures\SPI.png"/>
+          <p:cNvPicPr>
+            <a:picLocks noChangeAspect="1" noChangeArrowheads="1"/>
+          </p:cNvPicPr>
+          <p:nvPr/>
+        </p:nvPicPr>
+        <p:blipFill>
+          <a:blip r:embed="rId2"/>
+          <a:srcRect/>
+          <a:stretch>
+            <a:fillRect/>
+          </a:stretch>
+        </p:blipFill>
+        <p:spPr bwMode="auto">
+          <a:xfrm>
+            <a:off x="2298700" y="812800"/>
+            <a:ext cx="8061271" cy="4756150"/>
+          </a:xfrm>
+          <a:prstGeom prst="rect">
+            <a:avLst/>
+          </a:prstGeom>
+          <a:noFill/>
+        </p:spPr>
+      </p:pic>
+    </p:spTree>
+  </p:cSld>
+  <p:clrMapOvr>
+    <a:masterClrMapping/>
+  </p:clrMapOvr>
+  <p:timing>
+    <p:tnLst>
+      <p:par>
+        <p:cTn id="1" dur="indefinite" restart="never" nodeType="tmRoot"/>
+      </p:par>
+    </p:tnLst>
+  </p:timing>
+</p:sld>
+</file>
+
+<file path=ppt/slides/slide15.xml><?xml version="1.0" encoding="utf-8"?>
+<p:sld xmlns:a="http://schemas.openxmlformats.org/drawingml/2006/main" xmlns:r="http://schemas.openxmlformats.org/officeDocument/2006/relationships" xmlns:p="http://schemas.openxmlformats.org/presentationml/2006/main">
+  <p:cSld>
+    <p:spTree>
+      <p:nvGrpSpPr>
+        <p:cNvPr id="1" name=""/>
+        <p:cNvGrpSpPr/>
+        <p:nvPr/>
+      </p:nvGrpSpPr>
+      <p:grpSpPr>
+        <a:xfrm>
+          <a:off x="0" y="0"/>
+          <a:ext cx="0" cy="0"/>
+          <a:chOff x="0" y="0"/>
+          <a:chExt cx="0" cy="0"/>
+        </a:xfrm>
+      </p:grpSpPr>
+      <p:sp>
+        <p:nvSpPr>
+          <p:cNvPr id="2" name="Cím 1"/>
+          <p:cNvSpPr>
+            <a:spLocks noGrp="1"/>
+          </p:cNvSpPr>
+          <p:nvPr>
+            <p:ph type="title"/>
+          </p:nvPr>
+        </p:nvSpPr>
+        <p:spPr/>
+        <p:txBody>
+          <a:bodyPr/>
+          <a:lstStyle/>
+          <a:p>
+            <a:r>
+              <a:rPr lang="hu-HU" dirty="0" smtClean="0"/>
+              <a:t>Kérdések</a:t>
+            </a:r>
+            <a:endParaRPr lang="hu-HU" dirty="0"/>
+          </a:p>
+        </p:txBody>
+      </p:sp>
+      <p:sp>
+        <p:nvSpPr>
+          <p:cNvPr id="3" name="Tartalom helye 2"/>
+          <p:cNvSpPr>
+            <a:spLocks noGrp="1"/>
+          </p:cNvSpPr>
+          <p:nvPr>
+            <p:ph idx="1"/>
+          </p:nvPr>
+        </p:nvSpPr>
+        <p:spPr/>
+        <p:txBody>
+          <a:bodyPr>
+            <a:normAutofit/>
+          </a:bodyPr>
+          <a:lstStyle/>
+          <a:p>
+            <a:r>
+              <a:rPr lang="hu-HU" sz="1800" dirty="0" smtClean="0"/>
+              <a:t>A 4.2.3 alfejezet szerint a választott mintaszám csak 2 egész számú hatványa lehet. </a:t>
+            </a:r>
+            <a:r>
+              <a:rPr lang="hu-HU" sz="1800" dirty="0" smtClean="0"/>
+              <a:t>Ez az </a:t>
+            </a:r>
+            <a:r>
+              <a:rPr lang="hu-HU" sz="1800" dirty="0" smtClean="0"/>
+              <a:t>alkalmazott FFT eljárás miatt van? Tudja, hogy milyen algoritmus szerint </a:t>
+            </a:r>
+            <a:r>
+              <a:rPr lang="hu-HU" sz="1800" dirty="0" smtClean="0"/>
+              <a:t>működik a </a:t>
+            </a:r>
+            <a:r>
+              <a:rPr lang="hu-HU" sz="1800" dirty="0" smtClean="0"/>
+              <a:t>harmadik fél által szolgáltatott megoldás (pl</a:t>
+            </a:r>
+            <a:r>
+              <a:rPr lang="hu-HU" sz="1800" dirty="0" smtClean="0"/>
+              <a:t>. </a:t>
+            </a:r>
+            <a:r>
+              <a:rPr lang="hu-HU" sz="1800" dirty="0" err="1" smtClean="0"/>
+              <a:t>Cooley</a:t>
+            </a:r>
+            <a:r>
+              <a:rPr lang="hu-HU" sz="1800" dirty="0" smtClean="0"/>
+              <a:t> </a:t>
+            </a:r>
+            <a:r>
+              <a:rPr lang="hu-HU" sz="1800" dirty="0" err="1" smtClean="0"/>
+              <a:t>Tukey</a:t>
+            </a:r>
+            <a:r>
+              <a:rPr lang="hu-HU" sz="1800" dirty="0" smtClean="0"/>
+              <a:t>)? Tesztelte az </a:t>
+            </a:r>
+            <a:r>
+              <a:rPr lang="hu-HU" sz="1800" dirty="0" smtClean="0"/>
+              <a:t>FFT működését</a:t>
+            </a:r>
+            <a:r>
+              <a:rPr lang="hu-HU" sz="1800" dirty="0" smtClean="0"/>
+              <a:t>, ellenőrizte annak helyességét</a:t>
+            </a:r>
+            <a:r>
+              <a:rPr lang="hu-HU" sz="1800" dirty="0" smtClean="0"/>
+              <a:t>?</a:t>
+            </a:r>
+          </a:p>
+          <a:p>
+            <a:r>
+              <a:rPr lang="hu-HU" dirty="0" smtClean="0"/>
+              <a:t>Válasz:  </a:t>
+            </a:r>
+          </a:p>
+          <a:p>
+            <a:pPr lvl="1">
+              <a:buNone/>
+            </a:pPr>
+            <a:r>
+              <a:rPr lang="hu-HU" sz="1800" dirty="0" smtClean="0"/>
+              <a:t>TODO</a:t>
+            </a:r>
+            <a:endParaRPr lang="hu-HU" sz="1800" dirty="0"/>
+          </a:p>
+        </p:txBody>
+      </p:sp>
+    </p:spTree>
+  </p:cSld>
+  <p:clrMapOvr>
+    <a:masterClrMapping/>
+  </p:clrMapOvr>
+  <p:timing>
+    <p:tnLst>
+      <p:par>
+        <p:cTn id="1" dur="indefinite" restart="never" nodeType="tmRoot"/>
+      </p:par>
+    </p:tnLst>
+  </p:timing>
+</p:sld>
+</file>
+
+<file path=ppt/slides/slide16.xml><?xml version="1.0" encoding="utf-8"?>
+<p:sld xmlns:a="http://schemas.openxmlformats.org/drawingml/2006/main" xmlns:r="http://schemas.openxmlformats.org/officeDocument/2006/relationships" xmlns:p="http://schemas.openxmlformats.org/presentationml/2006/main">
+  <p:cSld>
+    <p:spTree>
+      <p:nvGrpSpPr>
+        <p:cNvPr id="1" name=""/>
+        <p:cNvGrpSpPr/>
+        <p:nvPr/>
+      </p:nvGrpSpPr>
+      <p:grpSpPr>
+        <a:xfrm>
+          <a:off x="0" y="0"/>
+          <a:ext cx="0" cy="0"/>
+          <a:chOff x="0" y="0"/>
+          <a:chExt cx="0" cy="0"/>
+        </a:xfrm>
+      </p:grpSpPr>
+      <p:sp>
+        <p:nvSpPr>
+          <p:cNvPr id="2" name="Cím 1"/>
+          <p:cNvSpPr>
+            <a:spLocks noGrp="1"/>
+          </p:cNvSpPr>
+          <p:nvPr>
+            <p:ph type="title"/>
+          </p:nvPr>
+        </p:nvSpPr>
+        <p:spPr/>
+        <p:txBody>
+          <a:bodyPr/>
+          <a:lstStyle/>
+          <a:p>
+            <a:r>
+              <a:rPr lang="hu-HU" dirty="0" err="1" smtClean="0"/>
+              <a:t>KÉRdések</a:t>
+            </a:r>
+            <a:endParaRPr lang="hu-HU" dirty="0"/>
+          </a:p>
+        </p:txBody>
+      </p:sp>
+      <p:sp>
+        <p:nvSpPr>
+          <p:cNvPr id="3" name="Tartalom helye 2"/>
+          <p:cNvSpPr>
+            <a:spLocks noGrp="1"/>
+          </p:cNvSpPr>
+          <p:nvPr>
+            <p:ph idx="1"/>
+          </p:nvPr>
+        </p:nvSpPr>
+        <p:spPr/>
+        <p:txBody>
+          <a:bodyPr>
+            <a:normAutofit/>
+          </a:bodyPr>
+          <a:lstStyle/>
+          <a:p>
+            <a:r>
+              <a:rPr lang="hu-HU" sz="1800" dirty="0" smtClean="0"/>
+              <a:t>A szakdolgozat szerint a választott mikrokontroller kényelmesen képes kiszolgálni </a:t>
+            </a:r>
+            <a:r>
+              <a:rPr lang="hu-HU" sz="1800" dirty="0" smtClean="0"/>
+              <a:t>a kívánt </a:t>
+            </a:r>
+            <a:r>
+              <a:rPr lang="hu-HU" sz="1800" dirty="0" smtClean="0"/>
+              <a:t>feladatot, marad még szabad kapacitása. Mit gondol, ez a kapacitás </a:t>
+            </a:r>
+            <a:r>
+              <a:rPr lang="hu-HU" sz="1800" dirty="0" smtClean="0"/>
+              <a:t>elegendő lehet-e </a:t>
+            </a:r>
+            <a:r>
+              <a:rPr lang="hu-HU" sz="1800" dirty="0" smtClean="0"/>
+              <a:t>egy további szűrési feladat ellátására, ha pl. a jelet nem változtatás </a:t>
+            </a:r>
+            <a:r>
+              <a:rPr lang="hu-HU" sz="1800" dirty="0" smtClean="0"/>
+              <a:t>nélkül szeretnénk </a:t>
+            </a:r>
+            <a:r>
+              <a:rPr lang="hu-HU" sz="1800" dirty="0" smtClean="0"/>
+              <a:t>továbbítani, hanem egy egyszerűbb </a:t>
+            </a:r>
+            <a:r>
+              <a:rPr lang="hu-HU" sz="1800" dirty="0" err="1" smtClean="0"/>
+              <a:t>equalizer</a:t>
+            </a:r>
+            <a:r>
+              <a:rPr lang="hu-HU" sz="1800" dirty="0" smtClean="0"/>
+              <a:t> funkciót is </a:t>
+            </a:r>
+            <a:r>
+              <a:rPr lang="hu-HU" sz="1800" dirty="0" smtClean="0"/>
+              <a:t>szeretnénk hozzáadni </a:t>
+            </a:r>
+            <a:r>
+              <a:rPr lang="hu-HU" sz="1800" dirty="0" smtClean="0"/>
+              <a:t>a </a:t>
+            </a:r>
+            <a:r>
+              <a:rPr lang="hu-HU" sz="1800" dirty="0" smtClean="0"/>
+              <a:t>szolgáltatásokhoz?</a:t>
+            </a:r>
+          </a:p>
+          <a:p>
+            <a:r>
+              <a:rPr lang="hu-HU" dirty="0" smtClean="0"/>
+              <a:t>Válasz:  </a:t>
+            </a:r>
+          </a:p>
+          <a:p>
+            <a:pPr lvl="1">
+              <a:buNone/>
+            </a:pPr>
+            <a:r>
+              <a:rPr lang="hu-HU" sz="1800" dirty="0" smtClean="0"/>
+              <a:t>A kiválasztott kontroller maximális órajele 180 MHz.</a:t>
+            </a:r>
+          </a:p>
+          <a:p>
+            <a:pPr lvl="1">
+              <a:buNone/>
+            </a:pPr>
+            <a:r>
+              <a:rPr lang="hu-HU" sz="1800" dirty="0" smtClean="0"/>
+              <a:t>A projektem során 52 MHz-es órajelen használóm, ezzel 25 Hz-es képfrissítést érek el. </a:t>
+            </a:r>
+          </a:p>
+          <a:p>
+            <a:pPr lvl="1">
+              <a:buNone/>
+            </a:pPr>
+            <a:r>
+              <a:rPr lang="hu-HU" sz="1800" dirty="0" smtClean="0"/>
+              <a:t>Az elérhető teljesítmény 30% át használja a projektem pillanatnyilag, így úgy vélem hogy képes lenne egy ilyen funkciót is kiszolgálni.</a:t>
+            </a:r>
+            <a:endParaRPr lang="hu-HU" sz="1800" dirty="0" smtClean="0"/>
+          </a:p>
+          <a:p>
+            <a:pPr>
+              <a:buNone/>
+            </a:pPr>
+            <a:endParaRPr lang="hu-HU" sz="1800" dirty="0"/>
+          </a:p>
+        </p:txBody>
+      </p:sp>
+    </p:spTree>
+  </p:cSld>
+  <p:clrMapOvr>
+    <a:masterClrMapping/>
+  </p:clrMapOvr>
+  <p:timing>
+    <p:tnLst>
+      <p:par>
+        <p:cTn id="1" dur="indefinite" restart="never" nodeType="tmRoot"/>
+      </p:par>
+    </p:tnLst>
+  </p:timing>
+</p:sld>
+</file>
+
+<file path=ppt/slides/slide17.xml><?xml version="1.0" encoding="utf-8"?>
+<p:sld xmlns:a="http://schemas.openxmlformats.org/drawingml/2006/main" xmlns:r="http://schemas.openxmlformats.org/officeDocument/2006/relationships" xmlns:p="http://schemas.openxmlformats.org/presentationml/2006/main">
+  <p:cSld>
+    <p:spTree>
+      <p:nvGrpSpPr>
+        <p:cNvPr id="1" name=""/>
+        <p:cNvGrpSpPr/>
+        <p:nvPr/>
+      </p:nvGrpSpPr>
+      <p:grpSpPr>
+        <a:xfrm>
+          <a:off x="0" y="0"/>
+          <a:ext cx="0" cy="0"/>
+          <a:chOff x="0" y="0"/>
+          <a:chExt cx="0" cy="0"/>
+        </a:xfrm>
+      </p:grpSpPr>
+      <p:sp>
+        <p:nvSpPr>
+          <p:cNvPr id="2" name="Cím 1"/>
+          <p:cNvSpPr>
+            <a:spLocks noGrp="1"/>
+          </p:cNvSpPr>
+          <p:nvPr>
+            <p:ph type="title"/>
+          </p:nvPr>
+        </p:nvSpPr>
+        <p:spPr/>
+        <p:txBody>
+          <a:bodyPr/>
+          <a:lstStyle/>
+          <a:p>
+            <a:r>
+              <a:rPr lang="hu-HU" dirty="0" smtClean="0"/>
+              <a:t>KÉRDÉSEK</a:t>
+            </a:r>
+            <a:endParaRPr lang="hu-HU" dirty="0"/>
+          </a:p>
+        </p:txBody>
+      </p:sp>
+      <p:sp>
+        <p:nvSpPr>
+          <p:cNvPr id="3" name="Tartalom helye 2"/>
+          <p:cNvSpPr>
+            <a:spLocks noGrp="1"/>
+          </p:cNvSpPr>
+          <p:nvPr>
+            <p:ph idx="1"/>
+          </p:nvPr>
+        </p:nvSpPr>
+        <p:spPr/>
+        <p:txBody>
+          <a:bodyPr>
+            <a:normAutofit/>
+          </a:bodyPr>
+          <a:lstStyle/>
+          <a:p>
+            <a:r>
+              <a:rPr lang="hu-HU" sz="1800" dirty="0" smtClean="0"/>
+              <a:t>A kimenet vezérlésekor hogyan történik a frekvenciasáv felosztása (</a:t>
+            </a:r>
+            <a:r>
+              <a:rPr lang="hu-HU" sz="1800" dirty="0" smtClean="0"/>
+              <a:t>lineáris, logaritmikus </a:t>
+            </a:r>
+            <a:r>
+              <a:rPr lang="hu-HU" sz="1800" dirty="0" smtClean="0"/>
+              <a:t>vagy egyéb)? Mit átlagol, a spektrum abszolút-értékét vagy </a:t>
+            </a:r>
+            <a:r>
+              <a:rPr lang="hu-HU" sz="1800" dirty="0" smtClean="0"/>
+              <a:t>a </a:t>
+            </a:r>
+            <a:r>
+              <a:rPr lang="hu-HU" sz="1800" dirty="0" err="1" smtClean="0"/>
+              <a:t>periodogramot</a:t>
+            </a:r>
+            <a:r>
+              <a:rPr lang="hu-HU" sz="1800" dirty="0" smtClean="0"/>
+              <a:t>?</a:t>
+            </a:r>
+          </a:p>
+          <a:p>
+            <a:r>
+              <a:rPr lang="hu-HU" dirty="0" smtClean="0"/>
+              <a:t>Válasz:  </a:t>
+            </a:r>
+          </a:p>
+          <a:p>
+            <a:pPr lvl="1">
+              <a:buNone/>
+            </a:pPr>
+            <a:r>
+              <a:rPr lang="hu-HU" sz="1800" dirty="0" smtClean="0"/>
+              <a:t>A frekvencia tartomány felosztása függ a megjelenítési stílustól.</a:t>
+            </a:r>
+          </a:p>
+          <a:p>
+            <a:pPr lvl="1">
+              <a:buNone/>
+            </a:pPr>
+            <a:r>
+              <a:rPr lang="hu-HU" sz="1800" dirty="0" smtClean="0"/>
+              <a:t>A teljes mértékben </a:t>
+            </a:r>
+            <a:r>
+              <a:rPr lang="hu-HU" sz="1800" dirty="0" smtClean="0"/>
+              <a:t>elkészült „</a:t>
+            </a:r>
+            <a:r>
+              <a:rPr lang="hu-HU" sz="1800" dirty="0" err="1" smtClean="0"/>
+              <a:t>equalizer</a:t>
+            </a:r>
+            <a:r>
+              <a:rPr lang="hu-HU" sz="1800" dirty="0" smtClean="0"/>
+              <a:t>” </a:t>
+            </a:r>
+            <a:r>
+              <a:rPr lang="hu-HU" sz="1800" dirty="0" smtClean="0"/>
+              <a:t>jellegű megjelenítésnél lineáris felosztás alkalmaztam</a:t>
+            </a:r>
+          </a:p>
+          <a:p>
+            <a:pPr lvl="1">
+              <a:buNone/>
+            </a:pPr>
+            <a:r>
+              <a:rPr lang="hu-HU" sz="1800" dirty="0" smtClean="0"/>
+              <a:t>A</a:t>
+            </a:r>
+            <a:r>
+              <a:rPr lang="hu-HU" sz="1800" dirty="0" smtClean="0"/>
+              <a:t> zenei világban használt hangsávokra nem lineáris felosztás szerintiek, ezek használata is célszerű lehetett volna, de lényegesen több oszlopon jelenítek meg mint az így kapható hangsávok.</a:t>
+            </a:r>
+            <a:endParaRPr lang="hu-HU" sz="1800" dirty="0" smtClean="0"/>
+          </a:p>
+          <a:p>
+            <a:pPr>
+              <a:buNone/>
+            </a:pPr>
+            <a:endParaRPr lang="hu-HU" sz="1800" dirty="0"/>
+          </a:p>
+        </p:txBody>
+      </p:sp>
+    </p:spTree>
+  </p:cSld>
+  <p:clrMapOvr>
+    <a:masterClrMapping/>
+  </p:clrMapOvr>
+  <p:timing>
+    <p:tnLst>
+      <p:par>
+        <p:cTn id="1" dur="indefinite" restart="never" nodeType="tmRoot"/>
+      </p:par>
+    </p:tnLst>
+  </p:timing>
 </p:sld>
 </file>
 
@@ -13451,6 +16194,32 @@
           </a:p>
         </p:txBody>
       </p:sp>
+      <p:pic>
+        <p:nvPicPr>
+          <p:cNvPr id="1026" name="Picture 2" descr="E:\Programozas\Github\BME-Onlab\prez_pictures\behringer.png"/>
+          <p:cNvPicPr>
+            <a:picLocks noChangeAspect="1" noChangeArrowheads="1"/>
+          </p:cNvPicPr>
+          <p:nvPr/>
+        </p:nvPicPr>
+        <p:blipFill>
+          <a:blip r:embed="rId3"/>
+          <a:srcRect/>
+          <a:stretch>
+            <a:fillRect/>
+          </a:stretch>
+        </p:blipFill>
+        <p:spPr bwMode="auto">
+          <a:xfrm>
+            <a:off x="5376764" y="3535124"/>
+            <a:ext cx="5399087" cy="4049315"/>
+          </a:xfrm>
+          <a:prstGeom prst="rect">
+            <a:avLst/>
+          </a:prstGeom>
+          <a:noFill/>
+        </p:spPr>
+      </p:pic>
     </p:spTree>
   </p:cSld>
   <p:clrMapOvr>
@@ -13539,6 +16308,12 @@
             </a:r>
           </a:p>
           <a:p>
+            <a:r>
+              <a:rPr lang="hu-HU" dirty="0" smtClean="0"/>
+              <a:t>Alacsony előállítási költség</a:t>
+            </a:r>
+          </a:p>
+          <a:p>
             <a:endParaRPr lang="hu-HU" dirty="0"/>
           </a:p>
         </p:txBody>
@@ -13608,21 +16383,56 @@
             <p:ph idx="1"/>
           </p:nvPr>
         </p:nvSpPr>
-        <p:spPr/>
+        <p:spPr>
+          <a:xfrm>
+            <a:off x="1141413" y="2249487"/>
+            <a:ext cx="5892434" cy="3541714"/>
+          </a:xfrm>
+        </p:spPr>
         <p:txBody>
-          <a:bodyPr/>
+          <a:bodyPr>
+            <a:normAutofit/>
+          </a:bodyPr>
           <a:lstStyle/>
           <a:p>
             <a:r>
               <a:rPr lang="hu-HU" dirty="0" smtClean="0"/>
-              <a:t>Mikrokontroller vezérli</a:t>
-            </a:r>
-          </a:p>
-          <a:p>
+              <a:t>Címezhető </a:t>
+            </a:r>
             <a:r>
               <a:rPr lang="hu-HU" dirty="0" smtClean="0"/>
-              <a:t>Címezhető LED panelt használ</a:t>
-            </a:r>
+              <a:t>LED panelt </a:t>
+            </a:r>
+            <a:r>
+              <a:rPr lang="hu-HU" dirty="0" smtClean="0"/>
+              <a:t>használ</a:t>
+            </a:r>
+          </a:p>
+          <a:p>
+            <a:r>
+              <a:rPr lang="hu-HU" dirty="0" smtClean="0"/>
+              <a:t>Jelanalízist </a:t>
+            </a:r>
+            <a:r>
+              <a:rPr lang="hu-HU" dirty="0" smtClean="0"/>
+              <a:t>végez</a:t>
+            </a:r>
+            <a:endParaRPr lang="hu-HU" dirty="0" smtClean="0"/>
+          </a:p>
+          <a:p>
+            <a:r>
+              <a:rPr lang="hu-HU" dirty="0" smtClean="0"/>
+              <a:t>Mikrokontroller a </a:t>
+            </a:r>
+            <a:r>
+              <a:rPr lang="hu-HU" dirty="0" err="1" smtClean="0"/>
+              <a:t>ledek</a:t>
+            </a:r>
+            <a:r>
+              <a:rPr lang="hu-HU" dirty="0" smtClean="0"/>
+              <a:t> színét a feldolgozott jel alapján állítja be</a:t>
+            </a:r>
+            <a:endParaRPr lang="hu-HU" dirty="0" smtClean="0"/>
           </a:p>
           <a:p>
             <a:r>
@@ -13633,15 +16443,359 @@
           <a:p>
             <a:r>
               <a:rPr lang="hu-HU" dirty="0" smtClean="0"/>
-              <a:t>Jelanalízist végez</a:t>
-            </a:r>
-          </a:p>
-          <a:p>
+              <a:t>Konfiguráló </a:t>
+            </a:r>
             <a:r>
               <a:rPr lang="hu-HU" dirty="0" smtClean="0"/>
-              <a:t>Konfiguráló program</a:t>
+              <a:t>program</a:t>
             </a:r>
             <a:endParaRPr lang="hu-HU" dirty="0"/>
+          </a:p>
+        </p:txBody>
+      </p:sp>
+      <p:pic>
+        <p:nvPicPr>
+          <p:cNvPr id="2051" name="Picture 3" descr="E:\Programozas\Github\BME-Onlab\prez_pictures\wsled.png"/>
+          <p:cNvPicPr>
+            <a:picLocks noChangeAspect="1" noChangeArrowheads="1"/>
+          </p:cNvPicPr>
+          <p:nvPr/>
+        </p:nvPicPr>
+        <p:blipFill>
+          <a:blip r:embed="rId3"/>
+          <a:srcRect/>
+          <a:stretch>
+            <a:fillRect/>
+          </a:stretch>
+        </p:blipFill>
+        <p:spPr bwMode="auto">
+          <a:xfrm>
+            <a:off x="7949907" y="1089074"/>
+            <a:ext cx="2734214" cy="2048021"/>
+          </a:xfrm>
+          <a:prstGeom prst="rect">
+            <a:avLst/>
+          </a:prstGeom>
+          <a:noFill/>
+        </p:spPr>
+      </p:pic>
+      <p:pic>
+        <p:nvPicPr>
+          <p:cNvPr id="2053" name="Picture 5" descr="E:\Programozas\Github\BME-Onlab\prez_pictures\phone.png"/>
+          <p:cNvPicPr>
+            <a:picLocks noChangeAspect="1" noChangeArrowheads="1"/>
+          </p:cNvPicPr>
+          <p:nvPr/>
+        </p:nvPicPr>
+        <p:blipFill>
+          <a:blip r:embed="rId4"/>
+          <a:srcRect/>
+          <a:stretch>
+            <a:fillRect/>
+          </a:stretch>
+        </p:blipFill>
+        <p:spPr bwMode="auto">
+          <a:xfrm>
+            <a:off x="5965264" y="4947066"/>
+            <a:ext cx="1752770" cy="1752770"/>
+          </a:xfrm>
+          <a:prstGeom prst="rect">
+            <a:avLst/>
+          </a:prstGeom>
+          <a:noFill/>
+        </p:spPr>
+      </p:pic>
+      <p:pic>
+        <p:nvPicPr>
+          <p:cNvPr id="2054" name="Picture 6" descr="E:\Programozas\Github\BME-Onlab\prez_pictures\nucleo-F4.png"/>
+          <p:cNvPicPr>
+            <a:picLocks noChangeAspect="1" noChangeArrowheads="1"/>
+          </p:cNvPicPr>
+          <p:nvPr/>
+        </p:nvPicPr>
+        <p:blipFill>
+          <a:blip r:embed="rId5"/>
+          <a:srcRect/>
+          <a:stretch>
+            <a:fillRect/>
+          </a:stretch>
+        </p:blipFill>
+        <p:spPr bwMode="auto">
+          <a:xfrm>
+            <a:off x="8503481" y="4017808"/>
+            <a:ext cx="2666268" cy="2407047"/>
+          </a:xfrm>
+          <a:prstGeom prst="rect">
+            <a:avLst/>
+          </a:prstGeom>
+          <a:noFill/>
+        </p:spPr>
+      </p:pic>
+      <p:sp>
+        <p:nvSpPr>
+          <p:cNvPr id="11" name="Szabadkézi sokszög 10"/>
+          <p:cNvSpPr/>
+          <p:nvPr/>
+        </p:nvSpPr>
+        <p:spPr>
+          <a:xfrm>
+            <a:off x="8461375" y="2533650"/>
+            <a:ext cx="2714625" cy="2095500"/>
+          </a:xfrm>
+          <a:custGeom>
+            <a:avLst/>
+            <a:gdLst>
+              <a:gd name="connsiteX0" fmla="*/ 815975 w 2714625"/>
+              <a:gd name="connsiteY0" fmla="*/ 2095500 h 2095500"/>
+              <a:gd name="connsiteX1" fmla="*/ 63500 w 2714625"/>
+              <a:gd name="connsiteY1" fmla="*/ 1638300 h 2095500"/>
+              <a:gd name="connsiteX2" fmla="*/ 1196975 w 2714625"/>
+              <a:gd name="connsiteY2" fmla="*/ 1085850 h 2095500"/>
+              <a:gd name="connsiteX3" fmla="*/ 2054225 w 2714625"/>
+              <a:gd name="connsiteY3" fmla="*/ 1085850 h 2095500"/>
+              <a:gd name="connsiteX4" fmla="*/ 2559050 w 2714625"/>
+              <a:gd name="connsiteY4" fmla="*/ 1000125 h 2095500"/>
+              <a:gd name="connsiteX5" fmla="*/ 2597150 w 2714625"/>
+              <a:gd name="connsiteY5" fmla="*/ 542925 h 2095500"/>
+              <a:gd name="connsiteX6" fmla="*/ 1854200 w 2714625"/>
+              <a:gd name="connsiteY6" fmla="*/ 0 h 2095500"/>
+            </a:gdLst>
+            <a:ahLst/>
+            <a:cxnLst>
+              <a:cxn ang="0">
+                <a:pos x="connsiteX0" y="connsiteY0"/>
+              </a:cxn>
+              <a:cxn ang="0">
+                <a:pos x="connsiteX1" y="connsiteY1"/>
+              </a:cxn>
+              <a:cxn ang="0">
+                <a:pos x="connsiteX2" y="connsiteY2"/>
+              </a:cxn>
+              <a:cxn ang="0">
+                <a:pos x="connsiteX3" y="connsiteY3"/>
+              </a:cxn>
+              <a:cxn ang="0">
+                <a:pos x="connsiteX4" y="connsiteY4"/>
+              </a:cxn>
+              <a:cxn ang="0">
+                <a:pos x="connsiteX5" y="connsiteY5"/>
+              </a:cxn>
+              <a:cxn ang="0">
+                <a:pos x="connsiteX6" y="connsiteY6"/>
+              </a:cxn>
+            </a:cxnLst>
+            <a:rect l="l" t="t" r="r" b="b"/>
+            <a:pathLst>
+              <a:path w="2714625" h="2095500">
+                <a:moveTo>
+                  <a:pt x="815975" y="2095500"/>
+                </a:moveTo>
+                <a:cubicBezTo>
+                  <a:pt x="407987" y="1951037"/>
+                  <a:pt x="0" y="1806575"/>
+                  <a:pt x="63500" y="1638300"/>
+                </a:cubicBezTo>
+                <a:cubicBezTo>
+                  <a:pt x="127000" y="1470025"/>
+                  <a:pt x="865188" y="1177925"/>
+                  <a:pt x="1196975" y="1085850"/>
+                </a:cubicBezTo>
+                <a:cubicBezTo>
+                  <a:pt x="1528762" y="993775"/>
+                  <a:pt x="1827213" y="1100137"/>
+                  <a:pt x="2054225" y="1085850"/>
+                </a:cubicBezTo>
+                <a:cubicBezTo>
+                  <a:pt x="2281237" y="1071563"/>
+                  <a:pt x="2468563" y="1090612"/>
+                  <a:pt x="2559050" y="1000125"/>
+                </a:cubicBezTo>
+                <a:cubicBezTo>
+                  <a:pt x="2649537" y="909638"/>
+                  <a:pt x="2714625" y="709612"/>
+                  <a:pt x="2597150" y="542925"/>
+                </a:cubicBezTo>
+                <a:cubicBezTo>
+                  <a:pt x="2479675" y="376238"/>
+                  <a:pt x="2166937" y="188119"/>
+                  <a:pt x="1854200" y="0"/>
+                </a:cubicBezTo>
+              </a:path>
+            </a:pathLst>
+          </a:custGeom>
+          <a:ln w="31750">
+            <a:solidFill>
+              <a:schemeClr val="bg1">
+                <a:lumMod val="50000"/>
+                <a:lumOff val="50000"/>
+              </a:schemeClr>
+            </a:solidFill>
+          </a:ln>
+        </p:spPr>
+        <p:style>
+          <a:lnRef idx="1">
+            <a:schemeClr val="accent1"/>
+          </a:lnRef>
+          <a:fillRef idx="0">
+            <a:schemeClr val="accent1"/>
+          </a:fillRef>
+          <a:effectRef idx="0">
+            <a:schemeClr val="accent1"/>
+          </a:effectRef>
+          <a:fontRef idx="minor">
+            <a:schemeClr val="tx1"/>
+          </a:fontRef>
+        </p:style>
+        <p:txBody>
+          <a:bodyPr rtlCol="0" anchor="ctr"/>
+          <a:lstStyle/>
+          <a:p>
+            <a:pPr algn="ctr"/>
+            <a:endParaRPr lang="hu-HU"/>
+          </a:p>
+        </p:txBody>
+      </p:sp>
+      <p:sp>
+        <p:nvSpPr>
+          <p:cNvPr id="12" name="Szabadkézi sokszög 11"/>
+          <p:cNvSpPr/>
+          <p:nvPr/>
+        </p:nvSpPr>
+        <p:spPr>
+          <a:xfrm>
+            <a:off x="6953250" y="4320117"/>
+            <a:ext cx="4480983" cy="2398183"/>
+          </a:xfrm>
+          <a:custGeom>
+            <a:avLst/>
+            <a:gdLst>
+              <a:gd name="connsiteX0" fmla="*/ 82550 w 4480983"/>
+              <a:gd name="connsiteY0" fmla="*/ 654050 h 2398183"/>
+              <a:gd name="connsiteX1" fmla="*/ 133350 w 4480983"/>
+              <a:gd name="connsiteY1" fmla="*/ 209550 h 2398183"/>
+              <a:gd name="connsiteX2" fmla="*/ 882650 w 4480983"/>
+              <a:gd name="connsiteY2" fmla="*/ 146050 h 2398183"/>
+              <a:gd name="connsiteX3" fmla="*/ 1111250 w 4480983"/>
+              <a:gd name="connsiteY3" fmla="*/ 1085850 h 2398183"/>
+              <a:gd name="connsiteX4" fmla="*/ 1060450 w 4480983"/>
+              <a:gd name="connsiteY4" fmla="*/ 2051050 h 2398183"/>
+              <a:gd name="connsiteX5" fmla="*/ 2114550 w 4480983"/>
+              <a:gd name="connsiteY5" fmla="*/ 2203450 h 2398183"/>
+              <a:gd name="connsiteX6" fmla="*/ 3689350 w 4480983"/>
+              <a:gd name="connsiteY6" fmla="*/ 2343150 h 2398183"/>
+              <a:gd name="connsiteX7" fmla="*/ 4464050 w 4480983"/>
+              <a:gd name="connsiteY7" fmla="*/ 1873250 h 2398183"/>
+              <a:gd name="connsiteX8" fmla="*/ 3587750 w 4480983"/>
+              <a:gd name="connsiteY8" fmla="*/ 1123950 h 2398183"/>
+            </a:gdLst>
+            <a:ahLst/>
+            <a:cxnLst>
+              <a:cxn ang="0">
+                <a:pos x="connsiteX0" y="connsiteY0"/>
+              </a:cxn>
+              <a:cxn ang="0">
+                <a:pos x="connsiteX1" y="connsiteY1"/>
+              </a:cxn>
+              <a:cxn ang="0">
+                <a:pos x="connsiteX2" y="connsiteY2"/>
+              </a:cxn>
+              <a:cxn ang="0">
+                <a:pos x="connsiteX3" y="connsiteY3"/>
+              </a:cxn>
+              <a:cxn ang="0">
+                <a:pos x="connsiteX4" y="connsiteY4"/>
+              </a:cxn>
+              <a:cxn ang="0">
+                <a:pos x="connsiteX5" y="connsiteY5"/>
+              </a:cxn>
+              <a:cxn ang="0">
+                <a:pos x="connsiteX6" y="connsiteY6"/>
+              </a:cxn>
+              <a:cxn ang="0">
+                <a:pos x="connsiteX7" y="connsiteY7"/>
+              </a:cxn>
+              <a:cxn ang="0">
+                <a:pos x="connsiteX8" y="connsiteY8"/>
+              </a:cxn>
+            </a:cxnLst>
+            <a:rect l="l" t="t" r="r" b="b"/>
+            <a:pathLst>
+              <a:path w="4480983" h="2398183">
+                <a:moveTo>
+                  <a:pt x="82550" y="654050"/>
+                </a:moveTo>
+                <a:cubicBezTo>
+                  <a:pt x="41275" y="474133"/>
+                  <a:pt x="0" y="294217"/>
+                  <a:pt x="133350" y="209550"/>
+                </a:cubicBezTo>
+                <a:cubicBezTo>
+                  <a:pt x="266700" y="124883"/>
+                  <a:pt x="719667" y="0"/>
+                  <a:pt x="882650" y="146050"/>
+                </a:cubicBezTo>
+                <a:cubicBezTo>
+                  <a:pt x="1045633" y="292100"/>
+                  <a:pt x="1081617" y="768350"/>
+                  <a:pt x="1111250" y="1085850"/>
+                </a:cubicBezTo>
+                <a:cubicBezTo>
+                  <a:pt x="1140883" y="1403350"/>
+                  <a:pt x="893233" y="1864783"/>
+                  <a:pt x="1060450" y="2051050"/>
+                </a:cubicBezTo>
+                <a:cubicBezTo>
+                  <a:pt x="1227667" y="2237317"/>
+                  <a:pt x="1676400" y="2154767"/>
+                  <a:pt x="2114550" y="2203450"/>
+                </a:cubicBezTo>
+                <a:cubicBezTo>
+                  <a:pt x="2552700" y="2252133"/>
+                  <a:pt x="3297767" y="2398183"/>
+                  <a:pt x="3689350" y="2343150"/>
+                </a:cubicBezTo>
+                <a:cubicBezTo>
+                  <a:pt x="4080933" y="2288117"/>
+                  <a:pt x="4480983" y="2076450"/>
+                  <a:pt x="4464050" y="1873250"/>
+                </a:cubicBezTo>
+                <a:cubicBezTo>
+                  <a:pt x="4447117" y="1670050"/>
+                  <a:pt x="4017433" y="1397000"/>
+                  <a:pt x="3587750" y="1123950"/>
+                </a:cubicBezTo>
+              </a:path>
+            </a:pathLst>
+          </a:custGeom>
+          <a:ln w="31750">
+            <a:solidFill>
+              <a:schemeClr val="bg1">
+                <a:lumMod val="50000"/>
+                <a:lumOff val="50000"/>
+              </a:schemeClr>
+            </a:solidFill>
+          </a:ln>
+        </p:spPr>
+        <p:style>
+          <a:lnRef idx="1">
+            <a:schemeClr val="accent1"/>
+          </a:lnRef>
+          <a:fillRef idx="0">
+            <a:schemeClr val="accent1"/>
+          </a:fillRef>
+          <a:effectRef idx="0">
+            <a:schemeClr val="accent1"/>
+          </a:effectRef>
+          <a:fontRef idx="minor">
+            <a:schemeClr val="tx1"/>
+          </a:fontRef>
+        </p:style>
+        <p:txBody>
+          <a:bodyPr rtlCol="0" anchor="ctr"/>
+          <a:lstStyle/>
+          <a:p>
+            <a:pPr algn="ctr"/>
+            <a:endParaRPr lang="hu-HU"/>
           </a:p>
         </p:txBody>
       </p:sp>
@@ -13710,7 +16864,12 @@
             <p:ph idx="1"/>
           </p:nvPr>
         </p:nvSpPr>
-        <p:spPr/>
+        <p:spPr>
+          <a:xfrm>
+            <a:off x="1141413" y="2249487"/>
+            <a:ext cx="6173788" cy="3541714"/>
+          </a:xfrm>
+        </p:spPr>
         <p:txBody>
           <a:bodyPr/>
           <a:lstStyle/>
@@ -13745,6 +16904,460 @@
           </a:p>
         </p:txBody>
       </p:sp>
+      <p:grpSp>
+        <p:nvGrpSpPr>
+          <p:cNvPr id="32" name="Csoportba foglalás 31"/>
+          <p:cNvGrpSpPr/>
+          <p:nvPr/>
+        </p:nvGrpSpPr>
+        <p:grpSpPr>
+          <a:xfrm>
+            <a:off x="7960894" y="1178427"/>
+            <a:ext cx="3011905" cy="4765173"/>
+            <a:chOff x="8265695" y="1419727"/>
+            <a:chExt cx="2883562" cy="4543921"/>
+          </a:xfrm>
+        </p:grpSpPr>
+        <p:sp>
+          <p:nvSpPr>
+            <p:cNvPr id="5" name="Lekerekített téglalap 4"/>
+            <p:cNvSpPr/>
+            <p:nvPr/>
+          </p:nvSpPr>
+          <p:spPr>
+            <a:xfrm>
+              <a:off x="8265695" y="1419727"/>
+              <a:ext cx="1985211" cy="794083"/>
+            </a:xfrm>
+            <a:prstGeom prst="roundRect">
+              <a:avLst/>
+            </a:prstGeom>
+            <a:solidFill>
+              <a:schemeClr val="bg1">
+                <a:lumMod val="50000"/>
+                <a:lumOff val="50000"/>
+              </a:schemeClr>
+            </a:solidFill>
+          </p:spPr>
+          <p:style>
+            <a:lnRef idx="2">
+              <a:schemeClr val="accent1">
+                <a:shade val="50000"/>
+              </a:schemeClr>
+            </a:lnRef>
+            <a:fillRef idx="1">
+              <a:schemeClr val="accent1"/>
+            </a:fillRef>
+            <a:effectRef idx="0">
+              <a:schemeClr val="accent1"/>
+            </a:effectRef>
+            <a:fontRef idx="minor">
+              <a:schemeClr val="lt1"/>
+            </a:fontRef>
+          </p:style>
+          <p:txBody>
+            <a:bodyPr rtlCol="0" anchor="ctr"/>
+            <a:lstStyle/>
+            <a:p>
+              <a:pPr algn="ctr"/>
+              <a:r>
+                <a:rPr lang="hu-HU" dirty="0" smtClean="0"/>
+                <a:t>Analóg – digitális átalakítás</a:t>
+              </a:r>
+              <a:endParaRPr lang="hu-HU" dirty="0"/>
+            </a:p>
+          </p:txBody>
+        </p:sp>
+        <p:cxnSp>
+          <p:nvCxnSpPr>
+            <p:cNvPr id="11" name="Egyenes összekötő nyíllal 10"/>
+            <p:cNvCxnSpPr>
+              <a:stCxn id="5" idx="2"/>
+            </p:cNvCxnSpPr>
+            <p:nvPr/>
+          </p:nvCxnSpPr>
+          <p:spPr>
+            <a:xfrm rot="16200000" flipH="1">
+              <a:off x="9041731" y="2430379"/>
+              <a:ext cx="445170" cy="12031"/>
+            </a:xfrm>
+            <a:prstGeom prst="straightConnector1">
+              <a:avLst/>
+            </a:prstGeom>
+            <a:ln w="38100">
+              <a:solidFill>
+                <a:schemeClr val="bg1">
+                  <a:lumMod val="65000"/>
+                  <a:lumOff val="35000"/>
+                </a:schemeClr>
+              </a:solidFill>
+              <a:tailEnd type="arrow"/>
+            </a:ln>
+          </p:spPr>
+          <p:style>
+            <a:lnRef idx="1">
+              <a:schemeClr val="accent1"/>
+            </a:lnRef>
+            <a:fillRef idx="0">
+              <a:schemeClr val="accent1"/>
+            </a:fillRef>
+            <a:effectRef idx="0">
+              <a:schemeClr val="accent1"/>
+            </a:effectRef>
+            <a:fontRef idx="minor">
+              <a:schemeClr val="tx1"/>
+            </a:fontRef>
+          </p:style>
+        </p:cxnSp>
+        <p:sp>
+          <p:nvSpPr>
+            <p:cNvPr id="14" name="Lekerekített téglalap 13"/>
+            <p:cNvSpPr/>
+            <p:nvPr/>
+          </p:nvSpPr>
+          <p:spPr>
+            <a:xfrm>
+              <a:off x="8285748" y="2642938"/>
+              <a:ext cx="1985211" cy="794083"/>
+            </a:xfrm>
+            <a:prstGeom prst="roundRect">
+              <a:avLst/>
+            </a:prstGeom>
+            <a:solidFill>
+              <a:schemeClr val="bg1">
+                <a:lumMod val="50000"/>
+                <a:lumOff val="50000"/>
+              </a:schemeClr>
+            </a:solidFill>
+          </p:spPr>
+          <p:style>
+            <a:lnRef idx="2">
+              <a:schemeClr val="accent1">
+                <a:shade val="50000"/>
+              </a:schemeClr>
+            </a:lnRef>
+            <a:fillRef idx="1">
+              <a:schemeClr val="accent1"/>
+            </a:fillRef>
+            <a:effectRef idx="0">
+              <a:schemeClr val="accent1"/>
+            </a:effectRef>
+            <a:fontRef idx="minor">
+              <a:schemeClr val="lt1"/>
+            </a:fontRef>
+          </p:style>
+          <p:txBody>
+            <a:bodyPr rtlCol="0" anchor="ctr"/>
+            <a:lstStyle/>
+            <a:p>
+              <a:pPr algn="ctr"/>
+              <a:r>
+                <a:rPr lang="hu-HU" dirty="0" smtClean="0"/>
+                <a:t>ADC eseménykezelő</a:t>
+              </a:r>
+              <a:endParaRPr lang="hu-HU" dirty="0"/>
+            </a:p>
+          </p:txBody>
+        </p:sp>
+        <p:sp>
+          <p:nvSpPr>
+            <p:cNvPr id="15" name="Lekerekített téglalap 14"/>
+            <p:cNvSpPr/>
+            <p:nvPr/>
+          </p:nvSpPr>
+          <p:spPr>
+            <a:xfrm>
+              <a:off x="8309811" y="3906254"/>
+              <a:ext cx="1985211" cy="794083"/>
+            </a:xfrm>
+            <a:prstGeom prst="roundRect">
+              <a:avLst/>
+            </a:prstGeom>
+            <a:solidFill>
+              <a:schemeClr val="bg1">
+                <a:lumMod val="50000"/>
+                <a:lumOff val="50000"/>
+              </a:schemeClr>
+            </a:solidFill>
+          </p:spPr>
+          <p:style>
+            <a:lnRef idx="2">
+              <a:schemeClr val="accent1">
+                <a:shade val="50000"/>
+              </a:schemeClr>
+            </a:lnRef>
+            <a:fillRef idx="1">
+              <a:schemeClr val="accent1"/>
+            </a:fillRef>
+            <a:effectRef idx="0">
+              <a:schemeClr val="accent1"/>
+            </a:effectRef>
+            <a:fontRef idx="minor">
+              <a:schemeClr val="lt1"/>
+            </a:fontRef>
+          </p:style>
+          <p:txBody>
+            <a:bodyPr rtlCol="0" anchor="ctr"/>
+            <a:lstStyle/>
+            <a:p>
+              <a:pPr algn="ctr"/>
+              <a:r>
+                <a:rPr lang="hu-HU" dirty="0" smtClean="0"/>
+                <a:t>LED Üzenetküldés</a:t>
+              </a:r>
+              <a:endParaRPr lang="hu-HU" dirty="0"/>
+            </a:p>
+          </p:txBody>
+        </p:sp>
+        <p:sp>
+          <p:nvSpPr>
+            <p:cNvPr id="16" name="Lekerekített téglalap 15"/>
+            <p:cNvSpPr/>
+            <p:nvPr/>
+          </p:nvSpPr>
+          <p:spPr>
+            <a:xfrm>
+              <a:off x="8321841" y="5169565"/>
+              <a:ext cx="1985211" cy="794083"/>
+            </a:xfrm>
+            <a:prstGeom prst="roundRect">
+              <a:avLst/>
+            </a:prstGeom>
+            <a:solidFill>
+              <a:schemeClr val="bg1">
+                <a:lumMod val="50000"/>
+                <a:lumOff val="50000"/>
+              </a:schemeClr>
+            </a:solidFill>
+          </p:spPr>
+          <p:style>
+            <a:lnRef idx="2">
+              <a:schemeClr val="accent1">
+                <a:shade val="50000"/>
+              </a:schemeClr>
+            </a:lnRef>
+            <a:fillRef idx="1">
+              <a:schemeClr val="accent1"/>
+            </a:fillRef>
+            <a:effectRef idx="0">
+              <a:schemeClr val="accent1"/>
+            </a:effectRef>
+            <a:fontRef idx="minor">
+              <a:schemeClr val="lt1"/>
+            </a:fontRef>
+          </p:style>
+          <p:txBody>
+            <a:bodyPr rtlCol="0" anchor="ctr"/>
+            <a:lstStyle/>
+            <a:p>
+              <a:pPr algn="ctr"/>
+              <a:r>
+                <a:rPr lang="hu-HU" dirty="0" smtClean="0"/>
+                <a:t>Üzenetküldés eseménykezelő </a:t>
+              </a:r>
+              <a:endParaRPr lang="hu-HU" dirty="0"/>
+            </a:p>
+          </p:txBody>
+        </p:sp>
+        <p:cxnSp>
+          <p:nvCxnSpPr>
+            <p:cNvPr id="19" name="Egyenes összekötő nyíllal 18"/>
+            <p:cNvCxnSpPr/>
+            <p:nvPr/>
+          </p:nvCxnSpPr>
+          <p:spPr>
+            <a:xfrm rot="16200000" flipH="1">
+              <a:off x="9061786" y="3672890"/>
+              <a:ext cx="445170" cy="12031"/>
+            </a:xfrm>
+            <a:prstGeom prst="straightConnector1">
+              <a:avLst/>
+            </a:prstGeom>
+            <a:ln w="38100">
+              <a:solidFill>
+                <a:schemeClr val="bg1">
+                  <a:lumMod val="65000"/>
+                  <a:lumOff val="35000"/>
+                </a:schemeClr>
+              </a:solidFill>
+              <a:tailEnd type="arrow"/>
+            </a:ln>
+          </p:spPr>
+          <p:style>
+            <a:lnRef idx="1">
+              <a:schemeClr val="accent1"/>
+            </a:lnRef>
+            <a:fillRef idx="0">
+              <a:schemeClr val="accent1"/>
+            </a:fillRef>
+            <a:effectRef idx="0">
+              <a:schemeClr val="accent1"/>
+            </a:effectRef>
+            <a:fontRef idx="minor">
+              <a:schemeClr val="tx1"/>
+            </a:fontRef>
+          </p:style>
+        </p:cxnSp>
+        <p:cxnSp>
+          <p:nvCxnSpPr>
+            <p:cNvPr id="20" name="Egyenes összekötő nyíllal 19"/>
+            <p:cNvCxnSpPr/>
+            <p:nvPr/>
+          </p:nvCxnSpPr>
+          <p:spPr>
+            <a:xfrm rot="16200000" flipH="1">
+              <a:off x="9097881" y="4926428"/>
+              <a:ext cx="445170" cy="12031"/>
+            </a:xfrm>
+            <a:prstGeom prst="straightConnector1">
+              <a:avLst/>
+            </a:prstGeom>
+            <a:ln w="38100">
+              <a:solidFill>
+                <a:schemeClr val="bg1">
+                  <a:lumMod val="65000"/>
+                  <a:lumOff val="35000"/>
+                </a:schemeClr>
+              </a:solidFill>
+              <a:tailEnd type="arrow"/>
+            </a:ln>
+          </p:spPr>
+          <p:style>
+            <a:lnRef idx="1">
+              <a:schemeClr val="accent1"/>
+            </a:lnRef>
+            <a:fillRef idx="0">
+              <a:schemeClr val="accent1"/>
+            </a:fillRef>
+            <a:effectRef idx="0">
+              <a:schemeClr val="accent1"/>
+            </a:effectRef>
+            <a:fontRef idx="minor">
+              <a:schemeClr val="tx1"/>
+            </a:fontRef>
+          </p:style>
+        </p:cxnSp>
+        <p:cxnSp>
+          <p:nvCxnSpPr>
+            <p:cNvPr id="22" name="Egyenes összekötő nyíllal 21"/>
+            <p:cNvCxnSpPr/>
+            <p:nvPr/>
+          </p:nvCxnSpPr>
+          <p:spPr>
+            <a:xfrm rot="16200000" flipV="1">
+              <a:off x="9233737" y="3663117"/>
+              <a:ext cx="3773650" cy="57391"/>
+            </a:xfrm>
+            <a:prstGeom prst="straightConnector1">
+              <a:avLst/>
+            </a:prstGeom>
+            <a:ln w="31750">
+              <a:solidFill>
+                <a:schemeClr val="bg1">
+                  <a:lumMod val="75000"/>
+                  <a:lumOff val="25000"/>
+                </a:schemeClr>
+              </a:solidFill>
+              <a:tailEnd type="none"/>
+            </a:ln>
+          </p:spPr>
+          <p:style>
+            <a:lnRef idx="1">
+              <a:schemeClr val="accent1"/>
+            </a:lnRef>
+            <a:fillRef idx="0">
+              <a:schemeClr val="accent1"/>
+            </a:fillRef>
+            <a:effectRef idx="0">
+              <a:schemeClr val="accent1"/>
+            </a:effectRef>
+            <a:fontRef idx="minor">
+              <a:schemeClr val="tx1"/>
+            </a:fontRef>
+          </p:style>
+        </p:cxnSp>
+        <p:cxnSp>
+          <p:nvCxnSpPr>
+            <p:cNvPr id="24" name="Egyenes összekötő 23"/>
+            <p:cNvCxnSpPr>
+              <a:stCxn id="16" idx="3"/>
+            </p:cNvCxnSpPr>
+            <p:nvPr/>
+          </p:nvCxnSpPr>
+          <p:spPr>
+            <a:xfrm>
+              <a:off x="10307052" y="5566607"/>
+              <a:ext cx="834190" cy="4014"/>
+            </a:xfrm>
+            <a:prstGeom prst="line">
+              <a:avLst/>
+            </a:prstGeom>
+            <a:ln w="31750">
+              <a:solidFill>
+                <a:schemeClr val="bg1">
+                  <a:lumMod val="75000"/>
+                  <a:lumOff val="25000"/>
+                </a:schemeClr>
+              </a:solidFill>
+            </a:ln>
+          </p:spPr>
+          <p:style>
+            <a:lnRef idx="1">
+              <a:schemeClr val="accent1"/>
+            </a:lnRef>
+            <a:fillRef idx="0">
+              <a:schemeClr val="accent1"/>
+            </a:fillRef>
+            <a:effectRef idx="0">
+              <a:schemeClr val="accent1"/>
+            </a:effectRef>
+            <a:fontRef idx="minor">
+              <a:schemeClr val="tx1"/>
+            </a:fontRef>
+          </p:style>
+        </p:cxnSp>
+        <p:cxnSp>
+          <p:nvCxnSpPr>
+            <p:cNvPr id="29" name="Egyenes összekötő nyíllal 28"/>
+            <p:cNvCxnSpPr>
+              <a:endCxn id="5" idx="3"/>
+            </p:cNvCxnSpPr>
+            <p:nvPr/>
+          </p:nvCxnSpPr>
+          <p:spPr>
+            <a:xfrm rot="10800000">
+              <a:off x="10250906" y="1816770"/>
+              <a:ext cx="831432" cy="7269"/>
+            </a:xfrm>
+            <a:prstGeom prst="straightConnector1">
+              <a:avLst/>
+            </a:prstGeom>
+            <a:ln w="31750">
+              <a:solidFill>
+                <a:schemeClr val="bg1">
+                  <a:lumMod val="65000"/>
+                  <a:lumOff val="35000"/>
+                </a:schemeClr>
+              </a:solidFill>
+              <a:tailEnd type="arrow"/>
+            </a:ln>
+          </p:spPr>
+          <p:style>
+            <a:lnRef idx="1">
+              <a:schemeClr val="accent1"/>
+            </a:lnRef>
+            <a:fillRef idx="0">
+              <a:schemeClr val="accent1"/>
+            </a:fillRef>
+            <a:effectRef idx="0">
+              <a:schemeClr val="accent1"/>
+            </a:effectRef>
+            <a:fontRef idx="minor">
+              <a:schemeClr val="tx1"/>
+            </a:fontRef>
+          </p:style>
+        </p:cxnSp>
+      </p:grpSp>
     </p:spTree>
   </p:cSld>
   <p:clrMapOvr>
@@ -13812,21 +17425,51 @@
         </p:nvSpPr>
         <p:spPr/>
         <p:txBody>
-          <a:bodyPr/>
+          <a:bodyPr>
+            <a:normAutofit fontScale="92500" lnSpcReduction="10000"/>
+          </a:bodyPr>
           <a:lstStyle/>
           <a:p>
             <a:r>
               <a:rPr lang="hu-HU" dirty="0" smtClean="0"/>
               <a:t>ADC</a:t>
             </a:r>
+            <a:endParaRPr lang="hu-HU" dirty="0" smtClean="0"/>
           </a:p>
           <a:p>
             <a:r>
               <a:rPr lang="hu-HU" dirty="0" smtClean="0"/>
-              <a:t>Mikrokontroller saját modulja</a:t>
-            </a:r>
-          </a:p>
-          <a:p>
+              <a:t>Mikrokontroller saját </a:t>
+            </a:r>
+            <a:r>
+              <a:rPr lang="hu-HU" dirty="0" smtClean="0"/>
+              <a:t>modulja</a:t>
+            </a:r>
+          </a:p>
+          <a:p>
+            <a:pPr lvl="1"/>
+            <a:r>
+              <a:rPr lang="hu-HU" dirty="0" smtClean="0"/>
+              <a:t>1024 minta </a:t>
+            </a:r>
+          </a:p>
+          <a:p>
+            <a:pPr lvl="2"/>
+            <a:r>
+              <a:rPr lang="hu-HU" dirty="0" smtClean="0"/>
+              <a:t>Időzítés miatt</a:t>
+            </a:r>
+          </a:p>
+          <a:p>
+            <a:pPr lvl="1"/>
+            <a:r>
+              <a:rPr lang="hu-HU" dirty="0" smtClean="0"/>
+              <a:t>12 bites felbontás</a:t>
+            </a:r>
+            <a:endParaRPr lang="hu-HU" dirty="0" smtClean="0"/>
+          </a:p>
+          <a:p>
+            <a:pPr lvl="1"/>
             <a:r>
               <a:rPr lang="hu-HU" dirty="0" smtClean="0"/>
               <a:t>40 kHz mintavételi idő</a:t>
@@ -13835,8 +17478,30 @@
           <a:p>
             <a:r>
               <a:rPr lang="hu-HU" dirty="0" smtClean="0"/>
-              <a:t>DMA technológia használata</a:t>
-            </a:r>
+              <a:t>DMA technológia </a:t>
+            </a:r>
+            <a:r>
+              <a:rPr lang="hu-HU" dirty="0" smtClean="0"/>
+              <a:t>használata</a:t>
+            </a:r>
+          </a:p>
+          <a:p>
+            <a:pPr lvl="1"/>
+            <a:r>
+              <a:rPr lang="hu-HU" dirty="0" smtClean="0"/>
+              <a:t>Üzenetküldési idő ingadozásának csökkentése miatt</a:t>
+            </a:r>
+          </a:p>
+          <a:p>
+            <a:pPr>
+              <a:buNone/>
+            </a:pPr>
+            <a:endParaRPr lang="hu-HU" dirty="0" smtClean="0"/>
+          </a:p>
+          <a:p>
+            <a:pPr>
+              <a:buNone/>
+            </a:pPr>
             <a:endParaRPr lang="hu-HU" dirty="0"/>
           </a:p>
         </p:txBody>
@@ -13846,6 +17511,13 @@
   <p:clrMapOvr>
     <a:masterClrMapping/>
   </p:clrMapOvr>
+  <p:timing>
+    <p:tnLst>
+      <p:par>
+        <p:cTn id="1" dur="indefinite" restart="never" nodeType="tmRoot"/>
+      </p:par>
+    </p:tnLst>
+  </p:timing>
 </p:sld>
 </file>
 
@@ -13899,14 +17571,40 @@
             <p:ph idx="1"/>
           </p:nvPr>
         </p:nvSpPr>
-        <p:spPr/>
+        <p:spPr>
+          <a:xfrm>
+            <a:off x="1179513" y="2198687"/>
+            <a:ext cx="5348288" cy="3541714"/>
+          </a:xfrm>
+        </p:spPr>
         <p:txBody>
           <a:bodyPr/>
           <a:lstStyle/>
           <a:p>
             <a:r>
               <a:rPr lang="hu-HU" dirty="0" smtClean="0"/>
-              <a:t>FFT (</a:t>
+              <a:t>Beolvasott audió jel </a:t>
+            </a:r>
+            <a:r>
+              <a:rPr lang="hu-HU" dirty="0" smtClean="0"/>
+              <a:t>feldolgozása</a:t>
+            </a:r>
+          </a:p>
+          <a:p>
+            <a:r>
+              <a:rPr lang="hu-HU" dirty="0" smtClean="0"/>
+              <a:t>Frekvenciatartományba transzformálással látványosabb megjelenítés lehetséges</a:t>
+            </a:r>
+            <a:endParaRPr lang="hu-HU" dirty="0" smtClean="0"/>
+          </a:p>
+          <a:p>
+            <a:r>
+              <a:rPr lang="hu-HU" dirty="0" smtClean="0"/>
+              <a:t>FFT </a:t>
+            </a:r>
+            <a:r>
+              <a:rPr lang="hu-HU" dirty="0" smtClean="0"/>
+              <a:t>(</a:t>
             </a:r>
             <a:r>
               <a:rPr lang="hu-HU" dirty="0" err="1" smtClean="0"/>
@@ -13926,35 +17624,69 @@
             </a:r>
           </a:p>
           <a:p>
+            <a:pPr lvl="1"/>
             <a:r>
               <a:rPr lang="hu-HU" dirty="0" smtClean="0"/>
-              <a:t>Beolvasott </a:t>
-            </a:r>
-            <a:r>
-              <a:rPr lang="hu-HU" dirty="0" err="1" smtClean="0"/>
-              <a:t>audio</a:t>
-            </a:r>
+              <a:t>1024 minta</a:t>
+            </a:r>
+          </a:p>
+          <a:p>
+            <a:pPr lvl="1"/>
             <a:r>
               <a:rPr lang="hu-HU" dirty="0" smtClean="0"/>
-              <a:t> jel feldolgozása</a:t>
-            </a:r>
-          </a:p>
-          <a:p>
-            <a:r>
-              <a:rPr lang="hu-HU" dirty="0" smtClean="0"/>
-              <a:t>Frekvenciatartományba transzformálás</a:t>
-            </a:r>
+              <a:t>CMSIS programkönyvtár</a:t>
+            </a:r>
+            <a:endParaRPr lang="hu-HU" dirty="0" smtClean="0"/>
           </a:p>
           <a:p>
             <a:endParaRPr lang="hu-HU" dirty="0"/>
           </a:p>
         </p:txBody>
       </p:sp>
+      <p:pic>
+        <p:nvPicPr>
+          <p:cNvPr id="2051" name="Picture 3" descr="E:\Programozas\Github\BME-Onlab\Diploma\Pictures\FFT_1.png"/>
+          <p:cNvPicPr>
+            <a:picLocks noChangeAspect="1" noChangeArrowheads="1"/>
+          </p:cNvPicPr>
+          <p:nvPr/>
+        </p:nvPicPr>
+        <p:blipFill>
+          <a:blip r:embed="rId3"/>
+          <a:srcRect/>
+          <a:stretch>
+            <a:fillRect/>
+          </a:stretch>
+        </p:blipFill>
+        <p:spPr bwMode="auto">
+          <a:xfrm>
+            <a:off x="6824222" y="1986476"/>
+            <a:ext cx="4727749" cy="3309424"/>
+          </a:xfrm>
+          <a:prstGeom prst="rect">
+            <a:avLst/>
+          </a:prstGeom>
+          <a:noFill/>
+          <a:ln w="31750">
+            <a:solidFill>
+              <a:schemeClr val="bg1"/>
+            </a:solidFill>
+            <a:miter lim="800000"/>
+          </a:ln>
+        </p:spPr>
+      </p:pic>
     </p:spTree>
   </p:cSld>
   <p:clrMapOvr>
     <a:masterClrMapping/>
   </p:clrMapOvr>
+  <p:timing>
+    <p:tnLst>
+      <p:par>
+        <p:cTn id="1" dur="indefinite" restart="never" nodeType="tmRoot"/>
+      </p:par>
+    </p:tnLst>
+  </p:timing>
 </p:sld>
 </file>
 
@@ -14008,7 +17740,12 @@
             <p:ph idx="1"/>
           </p:nvPr>
         </p:nvSpPr>
-        <p:spPr/>
+        <p:spPr>
+          <a:xfrm>
+            <a:off x="976312" y="2097087"/>
+            <a:ext cx="9905999" cy="3541714"/>
+          </a:xfrm>
+        </p:spPr>
         <p:txBody>
           <a:bodyPr/>
           <a:lstStyle/>
@@ -14025,28 +17762,112 @@
           </a:p>
           <a:p>
             <a:r>
-              <a:rPr lang="hu-HU" dirty="0" err="1" smtClean="0"/>
-              <a:t>LED-ek</a:t>
-            </a:r>
-            <a:r>
               <a:rPr lang="hu-HU" dirty="0" smtClean="0"/>
-              <a:t> vezérlése bonyolult</a:t>
-            </a:r>
-          </a:p>
-          <a:p>
+              <a:t>WS2812LED-ek </a:t>
+            </a:r>
+          </a:p>
+          <a:p>
+            <a:pPr lvl="1"/>
             <a:r>
               <a:rPr lang="hu-HU" dirty="0" smtClean="0"/>
-              <a:t>SPI technológia használata</a:t>
-            </a:r>
+              <a:t>vezérlés bonyolult időzítést igényel</a:t>
+            </a:r>
+          </a:p>
+          <a:p>
+            <a:pPr lvl="2"/>
+            <a:r>
+              <a:rPr lang="hu-HU" dirty="0" smtClean="0"/>
+              <a:t>800Kbit/s</a:t>
+            </a:r>
+          </a:p>
+          <a:p>
+            <a:pPr lvl="2"/>
+            <a:r>
+              <a:rPr lang="hu-HU" dirty="0" smtClean="0"/>
+              <a:t>Bitek jelszélessége specifikált és kis ingadozást tolerál</a:t>
+            </a:r>
+            <a:endParaRPr lang="hu-HU" dirty="0" smtClean="0"/>
+          </a:p>
+          <a:p>
+            <a:pPr lvl="1"/>
+            <a:r>
+              <a:rPr lang="hu-HU" dirty="0" smtClean="0"/>
+              <a:t>Ehhez SPI </a:t>
+            </a:r>
+            <a:r>
+              <a:rPr lang="hu-HU" dirty="0" smtClean="0"/>
+              <a:t>technológia használata</a:t>
+            </a:r>
+          </a:p>
+          <a:p>
             <a:endParaRPr lang="hu-HU" dirty="0"/>
           </a:p>
         </p:txBody>
       </p:sp>
+      <p:pic>
+        <p:nvPicPr>
+          <p:cNvPr id="4" name="Picture 2" descr="E:\Programozas\Github\BME-Onlab\Diploma\Pictures\code.png"/>
+          <p:cNvPicPr>
+            <a:picLocks noChangeAspect="1" noChangeArrowheads="1"/>
+          </p:cNvPicPr>
+          <p:nvPr/>
+        </p:nvPicPr>
+        <p:blipFill>
+          <a:blip r:embed="rId3"/>
+          <a:srcRect/>
+          <a:stretch>
+            <a:fillRect/>
+          </a:stretch>
+        </p:blipFill>
+        <p:spPr bwMode="auto">
+          <a:xfrm>
+            <a:off x="1144587" y="4531576"/>
+            <a:ext cx="7034213" cy="2364523"/>
+          </a:xfrm>
+          <a:prstGeom prst="rect">
+            <a:avLst/>
+          </a:prstGeom>
+          <a:noFill/>
+        </p:spPr>
+      </p:pic>
+      <p:pic>
+        <p:nvPicPr>
+          <p:cNvPr id="5" name="Picture 3" descr="E:\Programozas\Github\BME-Onlab\Diploma\Pictures\SPI.png"/>
+          <p:cNvPicPr>
+            <a:picLocks noChangeAspect="1" noChangeArrowheads="1"/>
+          </p:cNvPicPr>
+          <p:nvPr/>
+        </p:nvPicPr>
+        <p:blipFill>
+          <a:blip r:embed="rId4"/>
+          <a:srcRect/>
+          <a:stretch>
+            <a:fillRect/>
+          </a:stretch>
+        </p:blipFill>
+        <p:spPr bwMode="auto">
+          <a:xfrm>
+            <a:off x="6921500" y="1140332"/>
+            <a:ext cx="5471978" cy="3228467"/>
+          </a:xfrm>
+          <a:prstGeom prst="rect">
+            <a:avLst/>
+          </a:prstGeom>
+          <a:noFill/>
+        </p:spPr>
+      </p:pic>
     </p:spTree>
   </p:cSld>
   <p:clrMapOvr>
     <a:masterClrMapping/>
   </p:clrMapOvr>
+  <p:timing>
+    <p:tnLst>
+      <p:par>
+        <p:cTn id="1" dur="indefinite" restart="never" nodeType="tmRoot"/>
+      </p:par>
+    </p:tnLst>
+  </p:timing>
 </p:sld>
 </file>
 
@@ -14100,20 +17921,102 @@
             <p:ph idx="1"/>
           </p:nvPr>
         </p:nvSpPr>
-        <p:spPr/>
+        <p:spPr>
+          <a:xfrm>
+            <a:off x="1141412" y="2249487"/>
+            <a:ext cx="5048373" cy="3757418"/>
+          </a:xfrm>
+        </p:spPr>
         <p:txBody>
           <a:bodyPr/>
           <a:lstStyle/>
           <a:p>
-            <a:endParaRPr lang="hu-HU"/>
+            <a:r>
+              <a:rPr lang="hu-HU" dirty="0" smtClean="0"/>
+              <a:t>C# nyelven írtam</a:t>
+            </a:r>
+          </a:p>
+          <a:p>
+            <a:r>
+              <a:rPr lang="hu-HU" dirty="0" smtClean="0"/>
+              <a:t>Windows </a:t>
+            </a:r>
+            <a:r>
+              <a:rPr lang="hu-HU" dirty="0" err="1" smtClean="0"/>
+              <a:t>Form</a:t>
+            </a:r>
+            <a:r>
+              <a:rPr lang="hu-HU" dirty="0" smtClean="0"/>
+              <a:t> alkalmazás</a:t>
+            </a:r>
+          </a:p>
+          <a:p>
+            <a:r>
+              <a:rPr lang="hu-HU" dirty="0" smtClean="0"/>
+              <a:t>Soros </a:t>
+            </a:r>
+            <a:r>
+              <a:rPr lang="hu-HU" dirty="0" err="1" smtClean="0"/>
+              <a:t>porton</a:t>
+            </a:r>
+            <a:r>
+              <a:rPr lang="hu-HU" dirty="0" smtClean="0"/>
+              <a:t> keresztüli kommunikáció</a:t>
+            </a:r>
+          </a:p>
+          <a:p>
+            <a:r>
+              <a:rPr lang="hu-HU" dirty="0" smtClean="0"/>
+              <a:t>Előre definiált sémák</a:t>
+            </a:r>
+          </a:p>
+          <a:p>
+            <a:r>
+              <a:rPr lang="hu-HU" dirty="0" smtClean="0"/>
+              <a:t>Üzenetformátum definiált</a:t>
+            </a:r>
+            <a:endParaRPr lang="hu-HU" dirty="0"/>
           </a:p>
         </p:txBody>
       </p:sp>
+      <p:pic>
+        <p:nvPicPr>
+          <p:cNvPr id="4098" name="Picture 2" descr="E:\Programozas\Github\BME-Onlab\Diploma\Pictures\config_screen.JPG"/>
+          <p:cNvPicPr>
+            <a:picLocks noChangeAspect="1" noChangeArrowheads="1"/>
+          </p:cNvPicPr>
+          <p:nvPr/>
+        </p:nvPicPr>
+        <p:blipFill>
+          <a:blip r:embed="rId3"/>
+          <a:srcRect/>
+          <a:stretch>
+            <a:fillRect/>
+          </a:stretch>
+        </p:blipFill>
+        <p:spPr bwMode="auto">
+          <a:xfrm>
+            <a:off x="6827351" y="1885070"/>
+            <a:ext cx="4850662" cy="4135901"/>
+          </a:xfrm>
+          <a:prstGeom prst="rect">
+            <a:avLst/>
+          </a:prstGeom>
+          <a:noFill/>
+        </p:spPr>
+      </p:pic>
     </p:spTree>
   </p:cSld>
   <p:clrMapOvr>
     <a:masterClrMapping/>
   </p:clrMapOvr>
+  <p:timing>
+    <p:tnLst>
+      <p:par>
+        <p:cTn id="1" dur="indefinite" restart="never" nodeType="tmRoot"/>
+      </p:par>
+    </p:tnLst>
+  </p:timing>
 </p:sld>
 </file>
 
